--- a/company space/实习报告/实习报告_朱赫.pptx
+++ b/company space/实习报告/实习报告_朱赫.pptx
@@ -772,7 +772,29 @@
           <a:bodyPr/>
           <a:lstStyle/>
           <a:p>
-            <a:endParaRPr lang="en-US"/>
+            <a:pPr indent="266700" algn="just">
+              <a:lnSpc>
+                <a:spcPct val="150000"/>
+              </a:lnSpc>
+            </a:pPr>
+            <a:r>
+              <a:rPr lang="zh-CN" altLang="zh-CN" sz="1800" kern="100" dirty="0">
+                <a:effectLst/>
+                <a:latin typeface="等线" panose="02010600030101010101" pitchFamily="2" charset="-122"/>
+                <a:ea typeface="宋体" panose="02010600030101010101" pitchFamily="2" charset="-122"/>
+                <a:cs typeface="Times New Roman" panose="02020603050405020304" pitchFamily="18" charset="0"/>
+              </a:rPr>
+              <a:t>各位领导、导师们大家下午好，我是实习生朱赫，接下来由我来做我实习期间的述职报告，感谢大家的倾听。</a:t>
+            </a:r>
+            <a:endParaRPr lang="zh-CN" altLang="zh-CN" sz="1800" kern="100" dirty="0">
+              <a:effectLst/>
+              <a:latin typeface="等线" panose="02010600030101010101" pitchFamily="2" charset="-122"/>
+              <a:ea typeface="等线" panose="02010600030101010101" pitchFamily="2" charset="-122"/>
+              <a:cs typeface="Times New Roman" panose="02020603050405020304" pitchFamily="18" charset="0"/>
+            </a:endParaRPr>
+          </a:p>
+          <a:p>
+            <a:endParaRPr lang="en-US" dirty="0"/>
           </a:p>
         </p:txBody>
       </p:sp>
@@ -804,6 +826,797 @@
     <p:extLst>
       <p:ext uri="{BB962C8B-B14F-4D97-AF65-F5344CB8AC3E}">
         <p14:creationId xmlns:p14="http://schemas.microsoft.com/office/powerpoint/2010/main" val="2814499965"/>
+      </p:ext>
+    </p:extLst>
+  </p:cSld>
+  <p:clrMapOvr>
+    <a:masterClrMapping/>
+  </p:clrMapOvr>
+</p:notes>
+</file>
+
+<file path=ppt/notesSlides/notesSlide10.xml><?xml version="1.0" encoding="utf-8"?>
+<p:notes xmlns:a="http://schemas.openxmlformats.org/drawingml/2006/main" xmlns:r="http://schemas.openxmlformats.org/officeDocument/2006/relationships" xmlns:p="http://schemas.openxmlformats.org/presentationml/2006/main">
+  <p:cSld>
+    <p:spTree>
+      <p:nvGrpSpPr>
+        <p:cNvPr id="1" name=""/>
+        <p:cNvGrpSpPr/>
+        <p:nvPr/>
+      </p:nvGrpSpPr>
+      <p:grpSpPr>
+        <a:xfrm>
+          <a:off x="0" y="0"/>
+          <a:ext cx="0" cy="0"/>
+          <a:chOff x="0" y="0"/>
+          <a:chExt cx="0" cy="0"/>
+        </a:xfrm>
+      </p:grpSpPr>
+      <p:sp>
+        <p:nvSpPr>
+          <p:cNvPr id="2" name="幻灯片图像占位符 1"/>
+          <p:cNvSpPr>
+            <a:spLocks noGrp="1" noRot="1" noChangeAspect="1"/>
+          </p:cNvSpPr>
+          <p:nvPr>
+            <p:ph type="sldImg"/>
+          </p:nvPr>
+        </p:nvSpPr>
+        <p:spPr/>
+      </p:sp>
+      <p:sp>
+        <p:nvSpPr>
+          <p:cNvPr id="3" name="备注占位符 2"/>
+          <p:cNvSpPr>
+            <a:spLocks noGrp="1"/>
+          </p:cNvSpPr>
+          <p:nvPr>
+            <p:ph type="body" idx="1"/>
+          </p:nvPr>
+        </p:nvSpPr>
+        <p:spPr/>
+        <p:txBody>
+          <a:bodyPr/>
+          <a:lstStyle/>
+          <a:p>
+            <a:pPr marL="0" marR="0" lvl="0" indent="0" algn="l" defTabSz="731520" rtl="0" eaLnBrk="1" fontAlgn="auto" latinLnBrk="0" hangingPunct="1">
+              <a:lnSpc>
+                <a:spcPct val="100000"/>
+              </a:lnSpc>
+              <a:spcBef>
+                <a:spcPts val="0"/>
+              </a:spcBef>
+              <a:spcAft>
+                <a:spcPts val="0"/>
+              </a:spcAft>
+              <a:buClrTx/>
+              <a:buSzTx/>
+              <a:buFontTx/>
+              <a:buNone/>
+              <a:tabLst/>
+              <a:defRPr/>
+            </a:pPr>
+            <a:r>
+              <a:rPr lang="zh-CN" altLang="zh-CN" sz="1800" kern="100" dirty="0">
+                <a:effectLst/>
+                <a:latin typeface="等线" panose="02010600030101010101" pitchFamily="2" charset="-122"/>
+                <a:ea typeface="宋体" panose="02010600030101010101" pitchFamily="2" charset="-122"/>
+                <a:cs typeface="Times New Roman" panose="02020603050405020304" pitchFamily="18" charset="0"/>
+              </a:rPr>
+              <a:t>下面是我总结的在实习期间的个人成长，首先是在日语方面的成长就是从零基础到可以基本的听、说、读、写，在项目中学会了很多软件开发相关的日语词汇，可以看懂日语手顺以及式样书内容，也能独立按照现有</a:t>
+            </a:r>
+            <a:r>
+              <a:rPr lang="en-US" altLang="zh-CN" sz="1800" kern="100" dirty="0">
+                <a:effectLst/>
+                <a:latin typeface="等线" panose="02010600030101010101" pitchFamily="2" charset="-122"/>
+                <a:ea typeface="宋体" panose="02010600030101010101" pitchFamily="2" charset="-122"/>
+                <a:cs typeface="Times New Roman" panose="02020603050405020304" pitchFamily="18" charset="0"/>
+              </a:rPr>
+              <a:t>case</a:t>
+            </a:r>
+            <a:r>
+              <a:rPr lang="zh-CN" altLang="zh-CN" sz="1800" kern="100" dirty="0">
+                <a:effectLst/>
+                <a:latin typeface="等线" panose="02010600030101010101" pitchFamily="2" charset="-122"/>
+                <a:ea typeface="宋体" panose="02010600030101010101" pitchFamily="2" charset="-122"/>
+                <a:cs typeface="Times New Roman" panose="02020603050405020304" pitchFamily="18" charset="0"/>
+              </a:rPr>
+              <a:t>书写部分日语内容。在技术方面、对</a:t>
+            </a:r>
+            <a:r>
+              <a:rPr lang="en-US" altLang="zh-CN" sz="1800" kern="100" dirty="0">
+                <a:effectLst/>
+                <a:latin typeface="等线" panose="02010600030101010101" pitchFamily="2" charset="-122"/>
+                <a:ea typeface="宋体" panose="02010600030101010101" pitchFamily="2" charset="-122"/>
+                <a:cs typeface="Times New Roman" panose="02020603050405020304" pitchFamily="18" charset="0"/>
+              </a:rPr>
+              <a:t>JAVA</a:t>
+            </a:r>
+            <a:r>
+              <a:rPr lang="zh-CN" altLang="zh-CN" sz="1800" kern="100" dirty="0">
+                <a:effectLst/>
+                <a:latin typeface="等线" panose="02010600030101010101" pitchFamily="2" charset="-122"/>
+                <a:ea typeface="宋体" panose="02010600030101010101" pitchFamily="2" charset="-122"/>
+                <a:cs typeface="Times New Roman" panose="02020603050405020304" pitchFamily="18" charset="0"/>
+              </a:rPr>
+              <a:t>、</a:t>
+            </a:r>
+            <a:r>
+              <a:rPr lang="en-US" altLang="zh-CN" sz="1800" kern="100" dirty="0">
+                <a:effectLst/>
+                <a:latin typeface="等线" panose="02010600030101010101" pitchFamily="2" charset="-122"/>
+                <a:ea typeface="宋体" panose="02010600030101010101" pitchFamily="2" charset="-122"/>
+                <a:cs typeface="Times New Roman" panose="02020603050405020304" pitchFamily="18" charset="0"/>
+              </a:rPr>
+              <a:t>C#</a:t>
+            </a:r>
+            <a:r>
+              <a:rPr lang="zh-CN" altLang="zh-CN" sz="1800" kern="100" dirty="0">
+                <a:effectLst/>
+                <a:latin typeface="等线" panose="02010600030101010101" pitchFamily="2" charset="-122"/>
+                <a:ea typeface="宋体" panose="02010600030101010101" pitchFamily="2" charset="-122"/>
+                <a:cs typeface="Times New Roman" panose="02020603050405020304" pitchFamily="18" charset="0"/>
+              </a:rPr>
+              <a:t>等开发语言掌握更加娴熟，可以独立编写程序，遇到问题能够快速找出原因并解决。在进入项目中学习了</a:t>
+            </a:r>
+            <a:r>
+              <a:rPr lang="en-US" altLang="zh-CN" sz="1800" kern="100" dirty="0">
+                <a:effectLst/>
+                <a:latin typeface="等线" panose="02010600030101010101" pitchFamily="2" charset="-122"/>
+                <a:ea typeface="宋体" panose="02010600030101010101" pitchFamily="2" charset="-122"/>
+                <a:cs typeface="Times New Roman" panose="02020603050405020304" pitchFamily="18" charset="0"/>
+              </a:rPr>
+              <a:t>Azure Batch Account</a:t>
+            </a:r>
+            <a:r>
+              <a:rPr lang="zh-CN" altLang="zh-CN" sz="1800" kern="100" dirty="0">
+                <a:effectLst/>
+                <a:latin typeface="等线" panose="02010600030101010101" pitchFamily="2" charset="-122"/>
+                <a:ea typeface="宋体" panose="02010600030101010101" pitchFamily="2" charset="-122"/>
+                <a:cs typeface="Times New Roman" panose="02020603050405020304" pitchFamily="18" charset="0"/>
+              </a:rPr>
+              <a:t>、</a:t>
+            </a:r>
+            <a:r>
+              <a:rPr lang="en-US" altLang="zh-CN" sz="1800" kern="100" dirty="0" err="1">
+                <a:effectLst/>
+                <a:latin typeface="等线" panose="02010600030101010101" pitchFamily="2" charset="-122"/>
+                <a:ea typeface="宋体" panose="02010600030101010101" pitchFamily="2" charset="-122"/>
+                <a:cs typeface="Times New Roman" panose="02020603050405020304" pitchFamily="18" charset="0"/>
+              </a:rPr>
+              <a:t>KeyValut</a:t>
+            </a:r>
+            <a:r>
+              <a:rPr lang="zh-CN" altLang="zh-CN" sz="1800" kern="100" dirty="0">
+                <a:effectLst/>
+                <a:latin typeface="等线" panose="02010600030101010101" pitchFamily="2" charset="-122"/>
+                <a:ea typeface="宋体" panose="02010600030101010101" pitchFamily="2" charset="-122"/>
+                <a:cs typeface="Times New Roman" panose="02020603050405020304" pitchFamily="18" charset="0"/>
+              </a:rPr>
+              <a:t>、</a:t>
+            </a:r>
+            <a:r>
+              <a:rPr lang="en-US" altLang="zh-CN" sz="1800" kern="100" dirty="0" err="1">
+                <a:effectLst/>
+                <a:latin typeface="等线" panose="02010600030101010101" pitchFamily="2" charset="-122"/>
+                <a:ea typeface="宋体" panose="02010600030101010101" pitchFamily="2" charset="-122"/>
+                <a:cs typeface="Times New Roman" panose="02020603050405020304" pitchFamily="18" charset="0"/>
+              </a:rPr>
+              <a:t>AzureFunction</a:t>
+            </a:r>
+            <a:r>
+              <a:rPr lang="zh-CN" altLang="zh-CN" sz="1800" kern="100" dirty="0">
+                <a:effectLst/>
+                <a:latin typeface="等线" panose="02010600030101010101" pitchFamily="2" charset="-122"/>
+                <a:ea typeface="宋体" panose="02010600030101010101" pitchFamily="2" charset="-122"/>
+                <a:cs typeface="Times New Roman" panose="02020603050405020304" pitchFamily="18" charset="0"/>
+              </a:rPr>
+              <a:t>等等云相关的以前未接触到的领域。培训过程中学会了</a:t>
+            </a:r>
+            <a:r>
+              <a:rPr lang="en-US" altLang="zh-CN" sz="1800" kern="100" dirty="0">
+                <a:effectLst/>
+                <a:latin typeface="等线" panose="02010600030101010101" pitchFamily="2" charset="-122"/>
+                <a:ea typeface="宋体" panose="02010600030101010101" pitchFamily="2" charset="-122"/>
+                <a:cs typeface="Times New Roman" panose="02020603050405020304" pitchFamily="18" charset="0"/>
+              </a:rPr>
+              <a:t>SSM</a:t>
+            </a:r>
+            <a:r>
+              <a:rPr lang="zh-CN" altLang="zh-CN" sz="1800" kern="100" dirty="0">
+                <a:effectLst/>
+                <a:latin typeface="等线" panose="02010600030101010101" pitchFamily="2" charset="-122"/>
+                <a:ea typeface="宋体" panose="02010600030101010101" pitchFamily="2" charset="-122"/>
+                <a:cs typeface="Times New Roman" panose="02020603050405020304" pitchFamily="18" charset="0"/>
+              </a:rPr>
+              <a:t>框架、</a:t>
+            </a:r>
+            <a:r>
+              <a:rPr lang="en-US" altLang="zh-CN" sz="1800" kern="100" dirty="0" err="1">
+                <a:effectLst/>
+                <a:latin typeface="等线" panose="02010600030101010101" pitchFamily="2" charset="-122"/>
+                <a:ea typeface="宋体" panose="02010600030101010101" pitchFamily="2" charset="-122"/>
+                <a:cs typeface="Times New Roman" panose="02020603050405020304" pitchFamily="18" charset="0"/>
+              </a:rPr>
+              <a:t>.Net</a:t>
+            </a:r>
+            <a:r>
+              <a:rPr lang="zh-CN" altLang="zh-CN" sz="1800" kern="100" dirty="0">
+                <a:effectLst/>
+                <a:latin typeface="等线" panose="02010600030101010101" pitchFamily="2" charset="-122"/>
+                <a:ea typeface="宋体" panose="02010600030101010101" pitchFamily="2" charset="-122"/>
+                <a:cs typeface="Times New Roman" panose="02020603050405020304" pitchFamily="18" charset="0"/>
+              </a:rPr>
+              <a:t>等等</a:t>
+            </a:r>
+            <a:r>
+              <a:rPr lang="en-US" altLang="zh-CN" sz="1800" kern="100" dirty="0">
+                <a:effectLst/>
+                <a:latin typeface="等线" panose="02010600030101010101" pitchFamily="2" charset="-122"/>
+                <a:ea typeface="宋体" panose="02010600030101010101" pitchFamily="2" charset="-122"/>
+                <a:cs typeface="Times New Roman" panose="02020603050405020304" pitchFamily="18" charset="0"/>
+              </a:rPr>
+              <a:t>Web</a:t>
+            </a:r>
+            <a:r>
+              <a:rPr lang="zh-CN" altLang="zh-CN" sz="1800" kern="100" dirty="0">
+                <a:effectLst/>
+                <a:latin typeface="等线" panose="02010600030101010101" pitchFamily="2" charset="-122"/>
+                <a:ea typeface="宋体" panose="02010600030101010101" pitchFamily="2" charset="-122"/>
+                <a:cs typeface="Times New Roman" panose="02020603050405020304" pitchFamily="18" charset="0"/>
+              </a:rPr>
+              <a:t>程序开发相关技术。</a:t>
+            </a:r>
+            <a:r>
+              <a:rPr lang="zh-CN" altLang="zh-CN" sz="1800" kern="100" dirty="0">
+                <a:effectLst/>
+                <a:latin typeface="等线" panose="02010600030101010101" pitchFamily="2" charset="-122"/>
+                <a:ea typeface="等线" panose="02010600030101010101" pitchFamily="2" charset="-122"/>
+                <a:cs typeface="Times New Roman" panose="02020603050405020304" pitchFamily="18" charset="0"/>
+              </a:rPr>
+              <a:t>在培训和项目实习期间加强了对异常处理、</a:t>
+            </a:r>
+            <a:r>
+              <a:rPr lang="en-US" altLang="zh-CN" sz="1800" kern="100" dirty="0">
+                <a:effectLst/>
+                <a:latin typeface="等线" panose="02010600030101010101" pitchFamily="2" charset="-122"/>
+                <a:ea typeface="等线" panose="02010600030101010101" pitchFamily="2" charset="-122"/>
+                <a:cs typeface="Times New Roman" panose="02020603050405020304" pitchFamily="18" charset="0"/>
+              </a:rPr>
+              <a:t>log</a:t>
+            </a:r>
+            <a:r>
+              <a:rPr lang="zh-CN" altLang="zh-CN" sz="1800" kern="100" dirty="0">
+                <a:effectLst/>
+                <a:latin typeface="等线" panose="02010600030101010101" pitchFamily="2" charset="-122"/>
+                <a:ea typeface="等线" panose="02010600030101010101" pitchFamily="2" charset="-122"/>
+                <a:cs typeface="Times New Roman" panose="02020603050405020304" pitchFamily="18" charset="0"/>
+              </a:rPr>
+              <a:t>处理等知识的理解。</a:t>
+            </a:r>
+            <a:r>
+              <a:rPr lang="zh-CN" altLang="zh-CN" sz="1800" kern="100" dirty="0">
+                <a:effectLst/>
+                <a:latin typeface="等线" panose="02010600030101010101" pitchFamily="2" charset="-122"/>
+                <a:ea typeface="宋体" panose="02010600030101010101" pitchFamily="2" charset="-122"/>
+                <a:cs typeface="Times New Roman" panose="02020603050405020304" pitchFamily="18" charset="0"/>
+              </a:rPr>
+              <a:t>我感觉最明显的成长体会就是在理解技术难点的时候，比参加实习以前会更加快速了，独立编写程序时，思考维度更广，能多维度的考虑程序潜在的漏洞。</a:t>
+            </a:r>
+            <a:endParaRPr lang="zh-CN" altLang="zh-CN" sz="1800" kern="100" dirty="0">
+              <a:effectLst/>
+              <a:latin typeface="等线" panose="02010600030101010101" pitchFamily="2" charset="-122"/>
+              <a:ea typeface="等线" panose="02010600030101010101" pitchFamily="2" charset="-122"/>
+              <a:cs typeface="Times New Roman" panose="02020603050405020304" pitchFamily="18" charset="0"/>
+            </a:endParaRPr>
+          </a:p>
+          <a:p>
+            <a:endParaRPr lang="zh-CN" altLang="en-US" dirty="0"/>
+          </a:p>
+        </p:txBody>
+      </p:sp>
+      <p:sp>
+        <p:nvSpPr>
+          <p:cNvPr id="4" name="灯片编号占位符 3"/>
+          <p:cNvSpPr>
+            <a:spLocks noGrp="1"/>
+          </p:cNvSpPr>
+          <p:nvPr>
+            <p:ph type="sldNum" sz="quarter" idx="5"/>
+          </p:nvPr>
+        </p:nvSpPr>
+        <p:spPr/>
+        <p:txBody>
+          <a:bodyPr/>
+          <a:lstStyle/>
+          <a:p>
+            <a:fld id="{7DE2E8FF-3D0C-9D4D-B4D1-3089215958A5}" type="slidenum">
+              <a:rPr lang="en-US" smtClean="0"/>
+              <a:pPr/>
+              <a:t>10</a:t>
+            </a:fld>
+            <a:endParaRPr lang="en-US" dirty="0"/>
+          </a:p>
+        </p:txBody>
+      </p:sp>
+    </p:spTree>
+    <p:extLst>
+      <p:ext uri="{BB962C8B-B14F-4D97-AF65-F5344CB8AC3E}">
+        <p14:creationId xmlns:p14="http://schemas.microsoft.com/office/powerpoint/2010/main" val="621486815"/>
+      </p:ext>
+    </p:extLst>
+  </p:cSld>
+  <p:clrMapOvr>
+    <a:masterClrMapping/>
+  </p:clrMapOvr>
+</p:notes>
+</file>
+
+<file path=ppt/notesSlides/notesSlide11.xml><?xml version="1.0" encoding="utf-8"?>
+<p:notes xmlns:a="http://schemas.openxmlformats.org/drawingml/2006/main" xmlns:r="http://schemas.openxmlformats.org/officeDocument/2006/relationships" xmlns:p="http://schemas.openxmlformats.org/presentationml/2006/main">
+  <p:cSld>
+    <p:spTree>
+      <p:nvGrpSpPr>
+        <p:cNvPr id="1" name=""/>
+        <p:cNvGrpSpPr/>
+        <p:nvPr/>
+      </p:nvGrpSpPr>
+      <p:grpSpPr>
+        <a:xfrm>
+          <a:off x="0" y="0"/>
+          <a:ext cx="0" cy="0"/>
+          <a:chOff x="0" y="0"/>
+          <a:chExt cx="0" cy="0"/>
+        </a:xfrm>
+      </p:grpSpPr>
+      <p:sp>
+        <p:nvSpPr>
+          <p:cNvPr id="2" name="幻灯片图像占位符 1"/>
+          <p:cNvSpPr>
+            <a:spLocks noGrp="1" noRot="1" noChangeAspect="1"/>
+          </p:cNvSpPr>
+          <p:nvPr>
+            <p:ph type="sldImg"/>
+          </p:nvPr>
+        </p:nvSpPr>
+        <p:spPr/>
+      </p:sp>
+      <p:sp>
+        <p:nvSpPr>
+          <p:cNvPr id="3" name="备注占位符 2"/>
+          <p:cNvSpPr>
+            <a:spLocks noGrp="1"/>
+          </p:cNvSpPr>
+          <p:nvPr>
+            <p:ph type="body" idx="1"/>
+          </p:nvPr>
+        </p:nvSpPr>
+        <p:spPr/>
+        <p:txBody>
+          <a:bodyPr/>
+          <a:lstStyle/>
+          <a:p>
+            <a:pPr marL="0" marR="0" lvl="0" indent="0" algn="l" defTabSz="731520" rtl="0" eaLnBrk="1" fontAlgn="auto" latinLnBrk="0" hangingPunct="1">
+              <a:lnSpc>
+                <a:spcPct val="100000"/>
+              </a:lnSpc>
+              <a:spcBef>
+                <a:spcPts val="0"/>
+              </a:spcBef>
+              <a:spcAft>
+                <a:spcPts val="0"/>
+              </a:spcAft>
+              <a:buClrTx/>
+              <a:buSzTx/>
+              <a:buFontTx/>
+              <a:buNone/>
+              <a:tabLst/>
+              <a:defRPr/>
+            </a:pPr>
+            <a:r>
+              <a:rPr lang="zh-CN" altLang="zh-CN" sz="1800" kern="100" dirty="0">
+                <a:effectLst/>
+                <a:latin typeface="等线" panose="02010600030101010101" pitchFamily="2" charset="-122"/>
+                <a:ea typeface="宋体" panose="02010600030101010101" pitchFamily="2" charset="-122"/>
+                <a:cs typeface="Times New Roman" panose="02020603050405020304" pitchFamily="18" charset="0"/>
+              </a:rPr>
+              <a:t>然后在工作能力方面的成长是第一次接触对日项目，理解了对日软件工作的流程，在处理工作内容方面越来越顺利。能更快的进行测试、改修代码等等工作，熟练掌握了</a:t>
+            </a:r>
+            <a:r>
+              <a:rPr lang="en-US" altLang="zh-CN" sz="1800" kern="100" dirty="0">
+                <a:effectLst/>
+                <a:latin typeface="等线" panose="02010600030101010101" pitchFamily="2" charset="-122"/>
+                <a:ea typeface="宋体" panose="02010600030101010101" pitchFamily="2" charset="-122"/>
+                <a:cs typeface="Times New Roman" panose="02020603050405020304" pitchFamily="18" charset="0"/>
+              </a:rPr>
+              <a:t>Debug</a:t>
+            </a:r>
+            <a:r>
+              <a:rPr lang="zh-CN" altLang="zh-CN" sz="1800" kern="100" dirty="0">
+                <a:effectLst/>
+                <a:latin typeface="等线" panose="02010600030101010101" pitchFamily="2" charset="-122"/>
+                <a:ea typeface="宋体" panose="02010600030101010101" pitchFamily="2" charset="-122"/>
+                <a:cs typeface="Times New Roman" panose="02020603050405020304" pitchFamily="18" charset="0"/>
+              </a:rPr>
+              <a:t>测试工作，还有就是对</a:t>
+            </a:r>
+            <a:r>
+              <a:rPr lang="en-US" altLang="zh-CN" sz="1800" kern="100" dirty="0">
+                <a:effectLst/>
+                <a:latin typeface="等线" panose="02010600030101010101" pitchFamily="2" charset="-122"/>
+                <a:ea typeface="宋体" panose="02010600030101010101" pitchFamily="2" charset="-122"/>
+                <a:cs typeface="Times New Roman" panose="02020603050405020304" pitchFamily="18" charset="0"/>
+              </a:rPr>
+              <a:t>CW6-ADR</a:t>
+            </a:r>
+            <a:r>
+              <a:rPr lang="zh-CN" altLang="zh-CN" sz="1800" kern="100" dirty="0">
+                <a:effectLst/>
+                <a:latin typeface="等线" panose="02010600030101010101" pitchFamily="2" charset="-122"/>
+                <a:ea typeface="宋体" panose="02010600030101010101" pitchFamily="2" charset="-122"/>
+                <a:cs typeface="Times New Roman" panose="02020603050405020304" pitchFamily="18" charset="0"/>
+              </a:rPr>
+              <a:t>项目系统更加熟悉，其中包括业务流程、数据库结构、各个页面跳转以及系统的工作流程。最后就是跟着导师学习到了很好的工作习惯以及好的编程思想。以上就是我总结的在实习期间的个人成长。</a:t>
+            </a:r>
+            <a:endParaRPr lang="zh-CN" altLang="zh-CN" sz="1800" kern="100" dirty="0">
+              <a:effectLst/>
+              <a:latin typeface="等线" panose="02010600030101010101" pitchFamily="2" charset="-122"/>
+              <a:ea typeface="等线" panose="02010600030101010101" pitchFamily="2" charset="-122"/>
+              <a:cs typeface="Times New Roman" panose="02020603050405020304" pitchFamily="18" charset="0"/>
+            </a:endParaRPr>
+          </a:p>
+          <a:p>
+            <a:endParaRPr lang="zh-CN" altLang="en-US" dirty="0"/>
+          </a:p>
+        </p:txBody>
+      </p:sp>
+      <p:sp>
+        <p:nvSpPr>
+          <p:cNvPr id="4" name="灯片编号占位符 3"/>
+          <p:cNvSpPr>
+            <a:spLocks noGrp="1"/>
+          </p:cNvSpPr>
+          <p:nvPr>
+            <p:ph type="sldNum" sz="quarter" idx="5"/>
+          </p:nvPr>
+        </p:nvSpPr>
+        <p:spPr/>
+        <p:txBody>
+          <a:bodyPr/>
+          <a:lstStyle/>
+          <a:p>
+            <a:fld id="{7DE2E8FF-3D0C-9D4D-B4D1-3089215958A5}" type="slidenum">
+              <a:rPr lang="en-US" smtClean="0"/>
+              <a:pPr/>
+              <a:t>11</a:t>
+            </a:fld>
+            <a:endParaRPr lang="en-US" dirty="0"/>
+          </a:p>
+        </p:txBody>
+      </p:sp>
+    </p:spTree>
+    <p:extLst>
+      <p:ext uri="{BB962C8B-B14F-4D97-AF65-F5344CB8AC3E}">
+        <p14:creationId xmlns:p14="http://schemas.microsoft.com/office/powerpoint/2010/main" val="2343773861"/>
+      </p:ext>
+    </p:extLst>
+  </p:cSld>
+  <p:clrMapOvr>
+    <a:masterClrMapping/>
+  </p:clrMapOvr>
+</p:notes>
+</file>
+
+<file path=ppt/notesSlides/notesSlide12.xml><?xml version="1.0" encoding="utf-8"?>
+<p:notes xmlns:a="http://schemas.openxmlformats.org/drawingml/2006/main" xmlns:r="http://schemas.openxmlformats.org/officeDocument/2006/relationships" xmlns:p="http://schemas.openxmlformats.org/presentationml/2006/main">
+  <p:cSld>
+    <p:spTree>
+      <p:nvGrpSpPr>
+        <p:cNvPr id="1" name=""/>
+        <p:cNvGrpSpPr/>
+        <p:nvPr/>
+      </p:nvGrpSpPr>
+      <p:grpSpPr>
+        <a:xfrm>
+          <a:off x="0" y="0"/>
+          <a:ext cx="0" cy="0"/>
+          <a:chOff x="0" y="0"/>
+          <a:chExt cx="0" cy="0"/>
+        </a:xfrm>
+      </p:grpSpPr>
+      <p:sp>
+        <p:nvSpPr>
+          <p:cNvPr id="2" name="幻灯片图像占位符 1"/>
+          <p:cNvSpPr>
+            <a:spLocks noGrp="1" noRot="1" noChangeAspect="1"/>
+          </p:cNvSpPr>
+          <p:nvPr>
+            <p:ph type="sldImg"/>
+          </p:nvPr>
+        </p:nvSpPr>
+        <p:spPr/>
+      </p:sp>
+      <p:sp>
+        <p:nvSpPr>
+          <p:cNvPr id="3" name="备注占位符 2"/>
+          <p:cNvSpPr>
+            <a:spLocks noGrp="1"/>
+          </p:cNvSpPr>
+          <p:nvPr>
+            <p:ph type="body" idx="1"/>
+          </p:nvPr>
+        </p:nvSpPr>
+        <p:spPr/>
+        <p:txBody>
+          <a:bodyPr/>
+          <a:lstStyle/>
+          <a:p>
+            <a:pPr marL="0" marR="0" lvl="0" indent="0" algn="l" defTabSz="731520" rtl="0" eaLnBrk="1" fontAlgn="auto" latinLnBrk="0" hangingPunct="1">
+              <a:lnSpc>
+                <a:spcPct val="100000"/>
+              </a:lnSpc>
+              <a:spcBef>
+                <a:spcPts val="0"/>
+              </a:spcBef>
+              <a:spcAft>
+                <a:spcPts val="0"/>
+              </a:spcAft>
+              <a:buClrTx/>
+              <a:buSzTx/>
+              <a:buFontTx/>
+              <a:buNone/>
+              <a:tabLst/>
+              <a:defRPr/>
+            </a:pPr>
+            <a:r>
+              <a:rPr lang="zh-CN" altLang="zh-CN" sz="1800" kern="100" dirty="0">
+                <a:effectLst/>
+                <a:latin typeface="等线" panose="02010600030101010101" pitchFamily="2" charset="-122"/>
+                <a:ea typeface="宋体" panose="02010600030101010101" pitchFamily="2" charset="-122"/>
+                <a:cs typeface="Times New Roman" panose="02020603050405020304" pitchFamily="18" charset="0"/>
+              </a:rPr>
+              <a:t>下面是我对以后的目标以及计划 作出的大体规划，首先短期的计划就是语言方面呢利用碎片化的时间学习日语</a:t>
+            </a:r>
+            <a:r>
+              <a:rPr lang="en-US" altLang="zh-CN" sz="1800" kern="100" dirty="0">
+                <a:effectLst/>
+                <a:latin typeface="等线" panose="02010600030101010101" pitchFamily="2" charset="-122"/>
+                <a:ea typeface="宋体" panose="02010600030101010101" pitchFamily="2" charset="-122"/>
+                <a:cs typeface="Times New Roman" panose="02020603050405020304" pitchFamily="18" charset="0"/>
+              </a:rPr>
+              <a:t>2</a:t>
+            </a:r>
+            <a:r>
+              <a:rPr lang="zh-CN" altLang="zh-CN" sz="1800" kern="100" dirty="0">
+                <a:effectLst/>
+                <a:latin typeface="等线" panose="02010600030101010101" pitchFamily="2" charset="-122"/>
+                <a:ea typeface="宋体" panose="02010600030101010101" pitchFamily="2" charset="-122"/>
+                <a:cs typeface="Times New Roman" panose="02020603050405020304" pitchFamily="18" charset="0"/>
+              </a:rPr>
+              <a:t>年内能通过</a:t>
+            </a:r>
+            <a:r>
+              <a:rPr lang="en-US" altLang="zh-CN" sz="1800" kern="100" dirty="0">
+                <a:effectLst/>
+                <a:latin typeface="等线" panose="02010600030101010101" pitchFamily="2" charset="-122"/>
+                <a:ea typeface="宋体" panose="02010600030101010101" pitchFamily="2" charset="-122"/>
+                <a:cs typeface="Times New Roman" panose="02020603050405020304" pitchFamily="18" charset="0"/>
+              </a:rPr>
+              <a:t>n2</a:t>
+            </a:r>
+            <a:r>
+              <a:rPr lang="zh-CN" altLang="zh-CN" sz="1800" kern="100" dirty="0">
+                <a:effectLst/>
+                <a:latin typeface="等线" panose="02010600030101010101" pitchFamily="2" charset="-122"/>
+                <a:ea typeface="宋体" panose="02010600030101010101" pitchFamily="2" charset="-122"/>
+                <a:cs typeface="Times New Roman" panose="02020603050405020304" pitchFamily="18" charset="0"/>
+              </a:rPr>
+              <a:t>考试，在技术方面</a:t>
+            </a:r>
+            <a:r>
+              <a:rPr lang="en-US" altLang="zh-CN" sz="1800" kern="100" dirty="0">
+                <a:effectLst/>
+                <a:latin typeface="等线" panose="02010600030101010101" pitchFamily="2" charset="-122"/>
+                <a:ea typeface="宋体" panose="02010600030101010101" pitchFamily="2" charset="-122"/>
+                <a:cs typeface="Times New Roman" panose="02020603050405020304" pitchFamily="18" charset="0"/>
+              </a:rPr>
+              <a:t>1-2</a:t>
+            </a:r>
+            <a:r>
+              <a:rPr lang="zh-CN" altLang="zh-CN" sz="1800" kern="100" dirty="0">
+                <a:effectLst/>
+                <a:latin typeface="等线" panose="02010600030101010101" pitchFamily="2" charset="-122"/>
+                <a:ea typeface="宋体" panose="02010600030101010101" pitchFamily="2" charset="-122"/>
+                <a:cs typeface="Times New Roman" panose="02020603050405020304" pitchFamily="18" charset="0"/>
+              </a:rPr>
+              <a:t>年内能够学精通一门技术语言，然后对计算机底层的一些东西进行深度的学习，完成手里分配到的工作，对所在项目主要的技术栈进行学习。在</a:t>
+            </a:r>
+            <a:r>
+              <a:rPr lang="en-US" altLang="zh-CN" sz="1800" kern="100" dirty="0">
+                <a:effectLst/>
+                <a:latin typeface="等线" panose="02010600030101010101" pitchFamily="2" charset="-122"/>
+                <a:ea typeface="宋体" panose="02010600030101010101" pitchFamily="2" charset="-122"/>
+                <a:cs typeface="Times New Roman" panose="02020603050405020304" pitchFamily="18" charset="0"/>
+              </a:rPr>
+              <a:t>3-5</a:t>
+            </a:r>
+            <a:r>
+              <a:rPr lang="zh-CN" altLang="zh-CN" sz="1800" kern="100" dirty="0">
+                <a:effectLst/>
+                <a:latin typeface="等线" panose="02010600030101010101" pitchFamily="2" charset="-122"/>
+                <a:ea typeface="宋体" panose="02010600030101010101" pitchFamily="2" charset="-122"/>
+                <a:cs typeface="Times New Roman" panose="02020603050405020304" pitchFamily="18" charset="0"/>
+              </a:rPr>
+              <a:t>年的中期计划中，我打算能够在日语方面多加练习，能够做到与日本人无障碍沟通，在技术方面，对于一些新的技术方向，积极探索并学习，在这些新的技术领域不断拓展自己的知识面和技能，以便将来适应行业发展趋势。然后加强程序设计和团队协作等软技能方面的能力。了解各种开发流程和方法，并熟悉市场趋势和用户需求。在长期计划方面，我目前的想法是结合当时的自身兴趣和优势，积极探索前沿技术的应用，或者在技术管理、项目管理等方面深耕细作。具体的要根据当时社会环境的变更以及行业的需求再做出相应的改变。</a:t>
+            </a:r>
+            <a:endParaRPr lang="zh-CN" altLang="zh-CN" sz="1800" kern="100" dirty="0">
+              <a:effectLst/>
+              <a:latin typeface="等线" panose="02010600030101010101" pitchFamily="2" charset="-122"/>
+              <a:ea typeface="等线" panose="02010600030101010101" pitchFamily="2" charset="-122"/>
+              <a:cs typeface="Times New Roman" panose="02020603050405020304" pitchFamily="18" charset="0"/>
+            </a:endParaRPr>
+          </a:p>
+          <a:p>
+            <a:endParaRPr lang="zh-CN" altLang="en-US" dirty="0"/>
+          </a:p>
+        </p:txBody>
+      </p:sp>
+      <p:sp>
+        <p:nvSpPr>
+          <p:cNvPr id="4" name="灯片编号占位符 3"/>
+          <p:cNvSpPr>
+            <a:spLocks noGrp="1"/>
+          </p:cNvSpPr>
+          <p:nvPr>
+            <p:ph type="sldNum" sz="quarter" idx="5"/>
+          </p:nvPr>
+        </p:nvSpPr>
+        <p:spPr/>
+        <p:txBody>
+          <a:bodyPr/>
+          <a:lstStyle/>
+          <a:p>
+            <a:fld id="{7DE2E8FF-3D0C-9D4D-B4D1-3089215958A5}" type="slidenum">
+              <a:rPr lang="en-US" smtClean="0"/>
+              <a:pPr/>
+              <a:t>12</a:t>
+            </a:fld>
+            <a:endParaRPr lang="en-US" dirty="0"/>
+          </a:p>
+        </p:txBody>
+      </p:sp>
+    </p:spTree>
+    <p:extLst>
+      <p:ext uri="{BB962C8B-B14F-4D97-AF65-F5344CB8AC3E}">
+        <p14:creationId xmlns:p14="http://schemas.microsoft.com/office/powerpoint/2010/main" val="1011914101"/>
+      </p:ext>
+    </p:extLst>
+  </p:cSld>
+  <p:clrMapOvr>
+    <a:masterClrMapping/>
+  </p:clrMapOvr>
+</p:notes>
+</file>
+
+<file path=ppt/notesSlides/notesSlide13.xml><?xml version="1.0" encoding="utf-8"?>
+<p:notes xmlns:a="http://schemas.openxmlformats.org/drawingml/2006/main" xmlns:r="http://schemas.openxmlformats.org/officeDocument/2006/relationships" xmlns:p="http://schemas.openxmlformats.org/presentationml/2006/main">
+  <p:cSld>
+    <p:spTree>
+      <p:nvGrpSpPr>
+        <p:cNvPr id="1" name=""/>
+        <p:cNvGrpSpPr/>
+        <p:nvPr/>
+      </p:nvGrpSpPr>
+      <p:grpSpPr>
+        <a:xfrm>
+          <a:off x="0" y="0"/>
+          <a:ext cx="0" cy="0"/>
+          <a:chOff x="0" y="0"/>
+          <a:chExt cx="0" cy="0"/>
+        </a:xfrm>
+      </p:grpSpPr>
+      <p:sp>
+        <p:nvSpPr>
+          <p:cNvPr id="2" name="幻灯片图像占位符 1"/>
+          <p:cNvSpPr>
+            <a:spLocks noGrp="1" noRot="1" noChangeAspect="1"/>
+          </p:cNvSpPr>
+          <p:nvPr>
+            <p:ph type="sldImg"/>
+          </p:nvPr>
+        </p:nvSpPr>
+        <p:spPr/>
+      </p:sp>
+      <p:sp>
+        <p:nvSpPr>
+          <p:cNvPr id="3" name="备注占位符 2"/>
+          <p:cNvSpPr>
+            <a:spLocks noGrp="1"/>
+          </p:cNvSpPr>
+          <p:nvPr>
+            <p:ph type="body" idx="1"/>
+          </p:nvPr>
+        </p:nvSpPr>
+        <p:spPr/>
+        <p:txBody>
+          <a:bodyPr/>
+          <a:lstStyle/>
+          <a:p>
+            <a:pPr marL="0" marR="0" lvl="0" indent="0" algn="l" defTabSz="731520" rtl="0" eaLnBrk="1" fontAlgn="auto" latinLnBrk="0" hangingPunct="1">
+              <a:lnSpc>
+                <a:spcPct val="100000"/>
+              </a:lnSpc>
+              <a:spcBef>
+                <a:spcPts val="0"/>
+              </a:spcBef>
+              <a:spcAft>
+                <a:spcPts val="0"/>
+              </a:spcAft>
+              <a:buClrTx/>
+              <a:buSzTx/>
+              <a:buFontTx/>
+              <a:buNone/>
+              <a:tabLst/>
+              <a:defRPr/>
+            </a:pPr>
+            <a:r>
+              <a:rPr lang="zh-CN" altLang="zh-CN" sz="1800" kern="100" dirty="0">
+                <a:effectLst/>
+                <a:latin typeface="等线" panose="02010600030101010101" pitchFamily="2" charset="-122"/>
+                <a:ea typeface="宋体" panose="02010600030101010101" pitchFamily="2" charset="-122"/>
+                <a:cs typeface="Times New Roman" panose="02020603050405020304" pitchFamily="18" charset="0"/>
+              </a:rPr>
+              <a:t>以上就是我述职报告的所有内容，谢谢各位领导和导师们的倾听。</a:t>
+            </a:r>
+            <a:r>
+              <a:rPr lang="zh-CN" altLang="en-US" sz="1800" kern="100" dirty="0">
+                <a:effectLst/>
+                <a:latin typeface="等线" panose="02010600030101010101" pitchFamily="2" charset="-122"/>
+                <a:ea typeface="宋体" panose="02010600030101010101" pitchFamily="2" charset="-122"/>
+                <a:cs typeface="Times New Roman" panose="02020603050405020304" pitchFamily="18" charset="0"/>
+              </a:rPr>
+              <a:t>谢谢！</a:t>
+            </a:r>
+            <a:endParaRPr lang="zh-CN" altLang="zh-CN" sz="1800" kern="100" dirty="0">
+              <a:effectLst/>
+              <a:latin typeface="等线" panose="02010600030101010101" pitchFamily="2" charset="-122"/>
+              <a:ea typeface="等线" panose="02010600030101010101" pitchFamily="2" charset="-122"/>
+              <a:cs typeface="Times New Roman" panose="02020603050405020304" pitchFamily="18" charset="0"/>
+            </a:endParaRPr>
+          </a:p>
+          <a:p>
+            <a:endParaRPr lang="zh-CN" altLang="en-US" dirty="0"/>
+          </a:p>
+        </p:txBody>
+      </p:sp>
+      <p:sp>
+        <p:nvSpPr>
+          <p:cNvPr id="4" name="灯片编号占位符 3"/>
+          <p:cNvSpPr>
+            <a:spLocks noGrp="1"/>
+          </p:cNvSpPr>
+          <p:nvPr>
+            <p:ph type="sldNum" sz="quarter" idx="5"/>
+          </p:nvPr>
+        </p:nvSpPr>
+        <p:spPr/>
+        <p:txBody>
+          <a:bodyPr/>
+          <a:lstStyle/>
+          <a:p>
+            <a:fld id="{7DE2E8FF-3D0C-9D4D-B4D1-3089215958A5}" type="slidenum">
+              <a:rPr lang="en-US" smtClean="0"/>
+              <a:pPr/>
+              <a:t>13</a:t>
+            </a:fld>
+            <a:endParaRPr lang="en-US" dirty="0"/>
+          </a:p>
+        </p:txBody>
+      </p:sp>
+    </p:spTree>
+    <p:extLst>
+      <p:ext uri="{BB962C8B-B14F-4D97-AF65-F5344CB8AC3E}">
+        <p14:creationId xmlns:p14="http://schemas.microsoft.com/office/powerpoint/2010/main" val="176240649"/>
       </p:ext>
     </p:extLst>
   </p:cSld>
@@ -857,6 +1670,40 @@
           <a:bodyPr/>
           <a:lstStyle/>
           <a:p>
+            <a:pPr marL="0" marR="0" lvl="0" indent="0" algn="l" defTabSz="731520" rtl="0" eaLnBrk="1" fontAlgn="auto" latinLnBrk="0" hangingPunct="1">
+              <a:lnSpc>
+                <a:spcPct val="100000"/>
+              </a:lnSpc>
+              <a:spcBef>
+                <a:spcPts val="0"/>
+              </a:spcBef>
+              <a:spcAft>
+                <a:spcPts val="0"/>
+              </a:spcAft>
+              <a:buClrTx/>
+              <a:buSzTx/>
+              <a:buFontTx/>
+              <a:buNone/>
+              <a:tabLst/>
+              <a:defRPr/>
+            </a:pPr>
+            <a:r>
+              <a:rPr lang="zh-CN" altLang="zh-CN" sz="1800" kern="100" dirty="0">
+                <a:effectLst/>
+                <a:latin typeface="等线" panose="02010600030101010101" pitchFamily="2" charset="-122"/>
+                <a:ea typeface="宋体" panose="02010600030101010101" pitchFamily="2" charset="-122"/>
+                <a:cs typeface="Times New Roman" panose="02020603050405020304" pitchFamily="18" charset="0"/>
+              </a:rPr>
+              <a:t>我本次的述职报告将以以下几个方面来阐述，分别是个人简介、实习内容总结、实习期间个人成长、以及以后的目标和计划。</a:t>
+            </a:r>
+            <a:endParaRPr lang="zh-CN" altLang="zh-CN" sz="1800" kern="100" dirty="0">
+              <a:effectLst/>
+              <a:latin typeface="等线" panose="02010600030101010101" pitchFamily="2" charset="-122"/>
+              <a:ea typeface="等线" panose="02010600030101010101" pitchFamily="2" charset="-122"/>
+              <a:cs typeface="Times New Roman" panose="02020603050405020304" pitchFamily="18" charset="0"/>
+            </a:endParaRPr>
+          </a:p>
+          <a:p>
             <a:endParaRPr lang="zh-CN" altLang="en-US" dirty="0"/>
           </a:p>
         </p:txBody>
@@ -888,6 +1735,2040 @@
     <p:extLst>
       <p:ext uri="{BB962C8B-B14F-4D97-AF65-F5344CB8AC3E}">
         <p14:creationId xmlns:p14="http://schemas.microsoft.com/office/powerpoint/2010/main" val="2749987716"/>
+      </p:ext>
+    </p:extLst>
+  </p:cSld>
+  <p:clrMapOvr>
+    <a:masterClrMapping/>
+  </p:clrMapOvr>
+</p:notes>
+</file>
+
+<file path=ppt/notesSlides/notesSlide3.xml><?xml version="1.0" encoding="utf-8"?>
+<p:notes xmlns:a="http://schemas.openxmlformats.org/drawingml/2006/main" xmlns:r="http://schemas.openxmlformats.org/officeDocument/2006/relationships" xmlns:p="http://schemas.openxmlformats.org/presentationml/2006/main">
+  <p:cSld>
+    <p:spTree>
+      <p:nvGrpSpPr>
+        <p:cNvPr id="1" name=""/>
+        <p:cNvGrpSpPr/>
+        <p:nvPr/>
+      </p:nvGrpSpPr>
+      <p:grpSpPr>
+        <a:xfrm>
+          <a:off x="0" y="0"/>
+          <a:ext cx="0" cy="0"/>
+          <a:chOff x="0" y="0"/>
+          <a:chExt cx="0" cy="0"/>
+        </a:xfrm>
+      </p:grpSpPr>
+      <p:sp>
+        <p:nvSpPr>
+          <p:cNvPr id="2" name="幻灯片图像占位符 1"/>
+          <p:cNvSpPr>
+            <a:spLocks noGrp="1" noRot="1" noChangeAspect="1"/>
+          </p:cNvSpPr>
+          <p:nvPr>
+            <p:ph type="sldImg"/>
+          </p:nvPr>
+        </p:nvSpPr>
+        <p:spPr/>
+      </p:sp>
+      <p:sp>
+        <p:nvSpPr>
+          <p:cNvPr id="3" name="备注占位符 2"/>
+          <p:cNvSpPr>
+            <a:spLocks noGrp="1"/>
+          </p:cNvSpPr>
+          <p:nvPr>
+            <p:ph type="body" idx="1"/>
+          </p:nvPr>
+        </p:nvSpPr>
+        <p:spPr/>
+        <p:txBody>
+          <a:bodyPr/>
+          <a:lstStyle/>
+          <a:p>
+            <a:pPr marL="0" marR="0" lvl="0" indent="0" algn="l" defTabSz="731520" rtl="0" eaLnBrk="1" fontAlgn="auto" latinLnBrk="0" hangingPunct="1">
+              <a:lnSpc>
+                <a:spcPct val="100000"/>
+              </a:lnSpc>
+              <a:spcBef>
+                <a:spcPts val="0"/>
+              </a:spcBef>
+              <a:spcAft>
+                <a:spcPts val="0"/>
+              </a:spcAft>
+              <a:buClrTx/>
+              <a:buSzTx/>
+              <a:buFontTx/>
+              <a:buNone/>
+              <a:tabLst/>
+              <a:defRPr/>
+            </a:pPr>
+            <a:r>
+              <a:rPr lang="zh-CN" altLang="zh-CN" sz="1800" kern="100" dirty="0">
+                <a:effectLst/>
+                <a:latin typeface="等线" panose="02010600030101010101" pitchFamily="2" charset="-122"/>
+                <a:ea typeface="宋体" panose="02010600030101010101" pitchFamily="2" charset="-122"/>
+                <a:cs typeface="Times New Roman" panose="02020603050405020304" pitchFamily="18" charset="0"/>
+              </a:rPr>
+              <a:t>首先我来做一下简单的自我介绍，我的名字叫朱赫，目前是延边大学的应届本科生，我的专业是地理信息科学和计算机科学与技术双学位，我在学校期间计算机专业绩点在前</a:t>
+            </a:r>
+            <a:r>
+              <a:rPr lang="en-US" altLang="zh-CN" sz="1800" kern="100" dirty="0">
+                <a:effectLst/>
+                <a:latin typeface="等线" panose="02010600030101010101" pitchFamily="2" charset="-122"/>
+                <a:ea typeface="宋体" panose="02010600030101010101" pitchFamily="2" charset="-122"/>
+                <a:cs typeface="Times New Roman" panose="02020603050405020304" pitchFamily="18" charset="0"/>
+              </a:rPr>
+              <a:t>30%</a:t>
+            </a:r>
+            <a:r>
+              <a:rPr lang="zh-CN" altLang="zh-CN" sz="1800" kern="100" dirty="0">
+                <a:effectLst/>
+                <a:latin typeface="等线" panose="02010600030101010101" pitchFamily="2" charset="-122"/>
+                <a:ea typeface="宋体" panose="02010600030101010101" pitchFamily="2" charset="-122"/>
+                <a:cs typeface="Times New Roman" panose="02020603050405020304" pitchFamily="18" charset="0"/>
+              </a:rPr>
+              <a:t>，我自己也比较热爱计算机软件行业，所以选择软件开发为自己的就业方向，我在公司的导师是王洲平和陈雷，我实习的项目组是</a:t>
+            </a:r>
+            <a:r>
+              <a:rPr lang="en-US" altLang="zh-CN" sz="1800" kern="100" dirty="0">
+                <a:effectLst/>
+                <a:latin typeface="等线" panose="02010600030101010101" pitchFamily="2" charset="-122"/>
+                <a:ea typeface="宋体" panose="02010600030101010101" pitchFamily="2" charset="-122"/>
+                <a:cs typeface="Times New Roman" panose="02020603050405020304" pitchFamily="18" charset="0"/>
+              </a:rPr>
+              <a:t>CW6-ADR</a:t>
+            </a:r>
+            <a:r>
+              <a:rPr lang="zh-CN" altLang="zh-CN" sz="1800" kern="100" dirty="0">
+                <a:effectLst/>
+                <a:latin typeface="等线" panose="02010600030101010101" pitchFamily="2" charset="-122"/>
+                <a:ea typeface="宋体" panose="02010600030101010101" pitchFamily="2" charset="-122"/>
+                <a:cs typeface="Times New Roman" panose="02020603050405020304" pitchFamily="18" charset="0"/>
+              </a:rPr>
+              <a:t>项目，我在项目里的任务大多数都是跟着导师一起做的，我是从去年十月份到公司来实习的，在语言方面英语过了四级，日语还在学习当中，目前通过了公司组织的</a:t>
+            </a:r>
+            <a:r>
+              <a:rPr lang="en-US" altLang="zh-CN" sz="1800" kern="100" dirty="0">
+                <a:effectLst/>
+                <a:latin typeface="等线" panose="02010600030101010101" pitchFamily="2" charset="-122"/>
+                <a:ea typeface="宋体" panose="02010600030101010101" pitchFamily="2" charset="-122"/>
+                <a:cs typeface="Times New Roman" panose="02020603050405020304" pitchFamily="18" charset="0"/>
+              </a:rPr>
+              <a:t>n3</a:t>
+            </a:r>
+            <a:r>
+              <a:rPr lang="zh-CN" altLang="zh-CN" sz="1800" kern="100" dirty="0">
+                <a:effectLst/>
+                <a:latin typeface="等线" panose="02010600030101010101" pitchFamily="2" charset="-122"/>
+                <a:ea typeface="宋体" panose="02010600030101010101" pitchFamily="2" charset="-122"/>
+                <a:cs typeface="Times New Roman" panose="02020603050405020304" pitchFamily="18" charset="0"/>
+              </a:rPr>
+              <a:t>模拟考试。</a:t>
+            </a:r>
+            <a:endParaRPr lang="zh-CN" altLang="zh-CN" sz="1800" kern="100" dirty="0">
+              <a:effectLst/>
+              <a:latin typeface="等线" panose="02010600030101010101" pitchFamily="2" charset="-122"/>
+              <a:ea typeface="等线" panose="02010600030101010101" pitchFamily="2" charset="-122"/>
+              <a:cs typeface="Times New Roman" panose="02020603050405020304" pitchFamily="18" charset="0"/>
+            </a:endParaRPr>
+          </a:p>
+          <a:p>
+            <a:endParaRPr lang="zh-CN" altLang="en-US" dirty="0"/>
+          </a:p>
+        </p:txBody>
+      </p:sp>
+      <p:sp>
+        <p:nvSpPr>
+          <p:cNvPr id="4" name="灯片编号占位符 3"/>
+          <p:cNvSpPr>
+            <a:spLocks noGrp="1"/>
+          </p:cNvSpPr>
+          <p:nvPr>
+            <p:ph type="sldNum" sz="quarter" idx="5"/>
+          </p:nvPr>
+        </p:nvSpPr>
+        <p:spPr/>
+        <p:txBody>
+          <a:bodyPr/>
+          <a:lstStyle/>
+          <a:p>
+            <a:fld id="{7DE2E8FF-3D0C-9D4D-B4D1-3089215958A5}" type="slidenum">
+              <a:rPr lang="en-US" smtClean="0"/>
+              <a:pPr/>
+              <a:t>3</a:t>
+            </a:fld>
+            <a:endParaRPr lang="en-US" dirty="0"/>
+          </a:p>
+        </p:txBody>
+      </p:sp>
+    </p:spTree>
+    <p:extLst>
+      <p:ext uri="{BB962C8B-B14F-4D97-AF65-F5344CB8AC3E}">
+        <p14:creationId xmlns:p14="http://schemas.microsoft.com/office/powerpoint/2010/main" val="3681310879"/>
+      </p:ext>
+    </p:extLst>
+  </p:cSld>
+  <p:clrMapOvr>
+    <a:masterClrMapping/>
+  </p:clrMapOvr>
+</p:notes>
+</file>
+
+<file path=ppt/notesSlides/notesSlide4.xml><?xml version="1.0" encoding="utf-8"?>
+<p:notes xmlns:a="http://schemas.openxmlformats.org/drawingml/2006/main" xmlns:r="http://schemas.openxmlformats.org/officeDocument/2006/relationships" xmlns:p="http://schemas.openxmlformats.org/presentationml/2006/main">
+  <p:cSld>
+    <p:spTree>
+      <p:nvGrpSpPr>
+        <p:cNvPr id="1" name=""/>
+        <p:cNvGrpSpPr/>
+        <p:nvPr/>
+      </p:nvGrpSpPr>
+      <p:grpSpPr>
+        <a:xfrm>
+          <a:off x="0" y="0"/>
+          <a:ext cx="0" cy="0"/>
+          <a:chOff x="0" y="0"/>
+          <a:chExt cx="0" cy="0"/>
+        </a:xfrm>
+      </p:grpSpPr>
+      <p:sp>
+        <p:nvSpPr>
+          <p:cNvPr id="2" name="幻灯片图像占位符 1"/>
+          <p:cNvSpPr>
+            <a:spLocks noGrp="1" noRot="1" noChangeAspect="1"/>
+          </p:cNvSpPr>
+          <p:nvPr>
+            <p:ph type="sldImg"/>
+          </p:nvPr>
+        </p:nvSpPr>
+        <p:spPr/>
+      </p:sp>
+      <p:sp>
+        <p:nvSpPr>
+          <p:cNvPr id="3" name="备注占位符 2"/>
+          <p:cNvSpPr>
+            <a:spLocks noGrp="1"/>
+          </p:cNvSpPr>
+          <p:nvPr>
+            <p:ph type="body" idx="1"/>
+          </p:nvPr>
+        </p:nvSpPr>
+        <p:spPr/>
+        <p:txBody>
+          <a:bodyPr/>
+          <a:lstStyle/>
+          <a:p>
+            <a:pPr marL="0" marR="0" lvl="0" indent="0" algn="l" defTabSz="731520" rtl="0" eaLnBrk="1" fontAlgn="auto" latinLnBrk="0" hangingPunct="1">
+              <a:lnSpc>
+                <a:spcPct val="100000"/>
+              </a:lnSpc>
+              <a:spcBef>
+                <a:spcPts val="0"/>
+              </a:spcBef>
+              <a:spcAft>
+                <a:spcPts val="0"/>
+              </a:spcAft>
+              <a:buClrTx/>
+              <a:buSzTx/>
+              <a:buFontTx/>
+              <a:buNone/>
+              <a:tabLst/>
+              <a:defRPr/>
+            </a:pPr>
+            <a:r>
+              <a:rPr lang="zh-CN" altLang="zh-CN" sz="1800" kern="100" dirty="0">
+                <a:effectLst/>
+                <a:latin typeface="等线" panose="02010600030101010101" pitchFamily="2" charset="-122"/>
+                <a:ea typeface="宋体" panose="02010600030101010101" pitchFamily="2" charset="-122"/>
+                <a:cs typeface="Times New Roman" panose="02020603050405020304" pitchFamily="18" charset="0"/>
+              </a:rPr>
+              <a:t>下面是我进公司培训以及项目实习的主要内容，我先来简单的介绍一下我进公司接受的培训，日语培训是从去年刚入职开始到今年的四月份，大概半年左右，在培训期间老师一共带领着学习了标准日本语初级上下、中级上三本日语书，在培训日语期间课下会自己背单词、对学习的语法进行总结，现在我大概积累的日语词汇量大概有两千多，期间公司一共组织了三次日语模拟考试，分别是</a:t>
+            </a:r>
+            <a:r>
+              <a:rPr lang="en-US" altLang="zh-CN" sz="1800" kern="100" dirty="0">
+                <a:effectLst/>
+                <a:latin typeface="等线" panose="02010600030101010101" pitchFamily="2" charset="-122"/>
+                <a:ea typeface="宋体" panose="02010600030101010101" pitchFamily="2" charset="-122"/>
+                <a:cs typeface="Times New Roman" panose="02020603050405020304" pitchFamily="18" charset="0"/>
+              </a:rPr>
+              <a:t>n5 n4 n3</a:t>
+            </a:r>
+            <a:r>
+              <a:rPr lang="zh-CN" altLang="zh-CN" sz="1800" kern="100" dirty="0">
+                <a:effectLst/>
+                <a:latin typeface="等线" panose="02010600030101010101" pitchFamily="2" charset="-122"/>
+                <a:ea typeface="宋体" panose="02010600030101010101" pitchFamily="2" charset="-122"/>
+                <a:cs typeface="Times New Roman" panose="02020603050405020304" pitchFamily="18" charset="0"/>
+              </a:rPr>
+              <a:t>。</a:t>
+            </a:r>
+            <a:endParaRPr lang="zh-CN" altLang="zh-CN" sz="1800" kern="100" dirty="0">
+              <a:effectLst/>
+              <a:latin typeface="等线" panose="02010600030101010101" pitchFamily="2" charset="-122"/>
+              <a:ea typeface="等线" panose="02010600030101010101" pitchFamily="2" charset="-122"/>
+              <a:cs typeface="Times New Roman" panose="02020603050405020304" pitchFamily="18" charset="0"/>
+            </a:endParaRPr>
+          </a:p>
+          <a:p>
+            <a:endParaRPr lang="zh-CN" altLang="en-US" dirty="0"/>
+          </a:p>
+        </p:txBody>
+      </p:sp>
+      <p:sp>
+        <p:nvSpPr>
+          <p:cNvPr id="4" name="灯片编号占位符 3"/>
+          <p:cNvSpPr>
+            <a:spLocks noGrp="1"/>
+          </p:cNvSpPr>
+          <p:nvPr>
+            <p:ph type="sldNum" sz="quarter" idx="5"/>
+          </p:nvPr>
+        </p:nvSpPr>
+        <p:spPr/>
+        <p:txBody>
+          <a:bodyPr/>
+          <a:lstStyle/>
+          <a:p>
+            <a:fld id="{7DE2E8FF-3D0C-9D4D-B4D1-3089215958A5}" type="slidenum">
+              <a:rPr lang="en-US" smtClean="0"/>
+              <a:pPr/>
+              <a:t>4</a:t>
+            </a:fld>
+            <a:endParaRPr lang="en-US" dirty="0"/>
+          </a:p>
+        </p:txBody>
+      </p:sp>
+    </p:spTree>
+    <p:extLst>
+      <p:ext uri="{BB962C8B-B14F-4D97-AF65-F5344CB8AC3E}">
+        <p14:creationId xmlns:p14="http://schemas.microsoft.com/office/powerpoint/2010/main" val="702625921"/>
+      </p:ext>
+    </p:extLst>
+  </p:cSld>
+  <p:clrMapOvr>
+    <a:masterClrMapping/>
+  </p:clrMapOvr>
+</p:notes>
+</file>
+
+<file path=ppt/notesSlides/notesSlide5.xml><?xml version="1.0" encoding="utf-8"?>
+<p:notes xmlns:a="http://schemas.openxmlformats.org/drawingml/2006/main" xmlns:r="http://schemas.openxmlformats.org/officeDocument/2006/relationships" xmlns:p="http://schemas.openxmlformats.org/presentationml/2006/main">
+  <p:cSld>
+    <p:spTree>
+      <p:nvGrpSpPr>
+        <p:cNvPr id="1" name=""/>
+        <p:cNvGrpSpPr/>
+        <p:nvPr/>
+      </p:nvGrpSpPr>
+      <p:grpSpPr>
+        <a:xfrm>
+          <a:off x="0" y="0"/>
+          <a:ext cx="0" cy="0"/>
+          <a:chOff x="0" y="0"/>
+          <a:chExt cx="0" cy="0"/>
+        </a:xfrm>
+      </p:grpSpPr>
+      <p:sp>
+        <p:nvSpPr>
+          <p:cNvPr id="2" name="幻灯片图像占位符 1"/>
+          <p:cNvSpPr>
+            <a:spLocks noGrp="1" noRot="1" noChangeAspect="1"/>
+          </p:cNvSpPr>
+          <p:nvPr>
+            <p:ph type="sldImg"/>
+          </p:nvPr>
+        </p:nvSpPr>
+        <p:spPr/>
+      </p:sp>
+      <p:sp>
+        <p:nvSpPr>
+          <p:cNvPr id="3" name="备注占位符 2"/>
+          <p:cNvSpPr>
+            <a:spLocks noGrp="1"/>
+          </p:cNvSpPr>
+          <p:nvPr>
+            <p:ph type="body" idx="1"/>
+          </p:nvPr>
+        </p:nvSpPr>
+        <p:spPr/>
+        <p:txBody>
+          <a:bodyPr/>
+          <a:lstStyle/>
+          <a:p>
+            <a:pPr marL="0" marR="0" lvl="0" indent="0" algn="l" defTabSz="731520" rtl="0" eaLnBrk="1" fontAlgn="auto" latinLnBrk="0" hangingPunct="1">
+              <a:lnSpc>
+                <a:spcPct val="100000"/>
+              </a:lnSpc>
+              <a:spcBef>
+                <a:spcPts val="0"/>
+              </a:spcBef>
+              <a:spcAft>
+                <a:spcPts val="0"/>
+              </a:spcAft>
+              <a:buClrTx/>
+              <a:buSzTx/>
+              <a:buFontTx/>
+              <a:buNone/>
+              <a:tabLst/>
+              <a:defRPr/>
+            </a:pPr>
+            <a:r>
+              <a:rPr lang="zh-CN" altLang="zh-CN" sz="1800" kern="100" dirty="0">
+                <a:effectLst/>
+                <a:latin typeface="等线" panose="02010600030101010101" pitchFamily="2" charset="-122"/>
+                <a:ea typeface="宋体" panose="02010600030101010101" pitchFamily="2" charset="-122"/>
+                <a:cs typeface="Times New Roman" panose="02020603050405020304" pitchFamily="18" charset="0"/>
+              </a:rPr>
+              <a:t>在进行日语培训的同时，也接受公司组织的技术培训，先后进行了</a:t>
+            </a:r>
+            <a:r>
+              <a:rPr lang="en-US" altLang="zh-CN" sz="1800" kern="100" dirty="0">
+                <a:effectLst/>
+                <a:latin typeface="等线" panose="02010600030101010101" pitchFamily="2" charset="-122"/>
+                <a:ea typeface="宋体" panose="02010600030101010101" pitchFamily="2" charset="-122"/>
+                <a:cs typeface="Times New Roman" panose="02020603050405020304" pitchFamily="18" charset="0"/>
+              </a:rPr>
+              <a:t>DB</a:t>
+            </a:r>
+            <a:r>
+              <a:rPr lang="zh-CN" altLang="zh-CN" sz="1800" kern="100" dirty="0">
+                <a:effectLst/>
+                <a:latin typeface="等线" panose="02010600030101010101" pitchFamily="2" charset="-122"/>
+                <a:ea typeface="宋体" panose="02010600030101010101" pitchFamily="2" charset="-122"/>
+                <a:cs typeface="Times New Roman" panose="02020603050405020304" pitchFamily="18" charset="0"/>
+              </a:rPr>
+              <a:t>、</a:t>
+            </a:r>
+            <a:r>
+              <a:rPr lang="en-US" altLang="zh-CN" sz="1800" kern="100" dirty="0">
+                <a:effectLst/>
+                <a:latin typeface="等线" panose="02010600030101010101" pitchFamily="2" charset="-122"/>
+                <a:ea typeface="宋体" panose="02010600030101010101" pitchFamily="2" charset="-122"/>
+                <a:cs typeface="Times New Roman" panose="02020603050405020304" pitchFamily="18" charset="0"/>
+              </a:rPr>
+              <a:t>JAVA</a:t>
+            </a:r>
+            <a:r>
+              <a:rPr lang="zh-CN" altLang="zh-CN" sz="1800" kern="100" dirty="0">
+                <a:effectLst/>
+                <a:latin typeface="等线" panose="02010600030101010101" pitchFamily="2" charset="-122"/>
+                <a:ea typeface="宋体" panose="02010600030101010101" pitchFamily="2" charset="-122"/>
+                <a:cs typeface="Times New Roman" panose="02020603050405020304" pitchFamily="18" charset="0"/>
+              </a:rPr>
+              <a:t>、</a:t>
+            </a:r>
+            <a:r>
+              <a:rPr lang="en-US" altLang="zh-CN" sz="1800" kern="100" dirty="0">
+                <a:effectLst/>
+                <a:latin typeface="等线" panose="02010600030101010101" pitchFamily="2" charset="-122"/>
+                <a:ea typeface="宋体" panose="02010600030101010101" pitchFamily="2" charset="-122"/>
+                <a:cs typeface="Times New Roman" panose="02020603050405020304" pitchFamily="18" charset="0"/>
+              </a:rPr>
+              <a:t>SSM</a:t>
+            </a:r>
+            <a:r>
+              <a:rPr lang="zh-CN" altLang="zh-CN" sz="1800" kern="100" dirty="0">
+                <a:effectLst/>
+                <a:latin typeface="等线" panose="02010600030101010101" pitchFamily="2" charset="-122"/>
+                <a:ea typeface="宋体" panose="02010600030101010101" pitchFamily="2" charset="-122"/>
+                <a:cs typeface="Times New Roman" panose="02020603050405020304" pitchFamily="18" charset="0"/>
+              </a:rPr>
+              <a:t>框架、</a:t>
+            </a:r>
+            <a:r>
+              <a:rPr lang="en-US" altLang="zh-CN" sz="1800" kern="100" dirty="0">
+                <a:effectLst/>
+                <a:latin typeface="等线" panose="02010600030101010101" pitchFamily="2" charset="-122"/>
+                <a:ea typeface="宋体" panose="02010600030101010101" pitchFamily="2" charset="-122"/>
+                <a:cs typeface="Times New Roman" panose="02020603050405020304" pitchFamily="18" charset="0"/>
+              </a:rPr>
+              <a:t>Linux</a:t>
+            </a:r>
+            <a:r>
+              <a:rPr lang="zh-CN" altLang="zh-CN" sz="1800" kern="100" dirty="0">
+                <a:effectLst/>
+                <a:latin typeface="等线" panose="02010600030101010101" pitchFamily="2" charset="-122"/>
+                <a:ea typeface="宋体" panose="02010600030101010101" pitchFamily="2" charset="-122"/>
+                <a:cs typeface="Times New Roman" panose="02020603050405020304" pitchFamily="18" charset="0"/>
+              </a:rPr>
+              <a:t>、</a:t>
+            </a:r>
+            <a:r>
+              <a:rPr lang="en-US" altLang="zh-CN" sz="1800" kern="100" dirty="0">
+                <a:effectLst/>
+                <a:latin typeface="等线" panose="02010600030101010101" pitchFamily="2" charset="-122"/>
+                <a:ea typeface="宋体" panose="02010600030101010101" pitchFamily="2" charset="-122"/>
+                <a:cs typeface="Times New Roman" panose="02020603050405020304" pitchFamily="18" charset="0"/>
+              </a:rPr>
+              <a:t>C</a:t>
+            </a:r>
+            <a:r>
+              <a:rPr lang="zh-CN" altLang="zh-CN" sz="1800" kern="100" dirty="0">
+                <a:effectLst/>
+                <a:latin typeface="等线" panose="02010600030101010101" pitchFamily="2" charset="-122"/>
+                <a:ea typeface="宋体" panose="02010600030101010101" pitchFamily="2" charset="-122"/>
+                <a:cs typeface="Times New Roman" panose="02020603050405020304" pitchFamily="18" charset="0"/>
+              </a:rPr>
+              <a:t>语言、</a:t>
+            </a:r>
+            <a:r>
+              <a:rPr lang="en-US" altLang="zh-CN" sz="1800" kern="100" dirty="0">
+                <a:effectLst/>
+                <a:latin typeface="等线" panose="02010600030101010101" pitchFamily="2" charset="-122"/>
+                <a:ea typeface="宋体" panose="02010600030101010101" pitchFamily="2" charset="-122"/>
+                <a:cs typeface="Times New Roman" panose="02020603050405020304" pitchFamily="18" charset="0"/>
+              </a:rPr>
+              <a:t>C#</a:t>
+            </a:r>
+            <a:r>
+              <a:rPr lang="zh-CN" altLang="zh-CN" sz="1800" kern="100" dirty="0">
+                <a:effectLst/>
+                <a:latin typeface="等线" panose="02010600030101010101" pitchFamily="2" charset="-122"/>
+                <a:ea typeface="宋体" panose="02010600030101010101" pitchFamily="2" charset="-122"/>
+                <a:cs typeface="Times New Roman" panose="02020603050405020304" pitchFamily="18" charset="0"/>
+              </a:rPr>
+              <a:t>基础、</a:t>
+            </a:r>
+            <a:r>
+              <a:rPr lang="en-US" altLang="zh-CN" sz="1800" kern="100" dirty="0">
+                <a:effectLst/>
+                <a:latin typeface="等线" panose="02010600030101010101" pitchFamily="2" charset="-122"/>
+                <a:ea typeface="宋体" panose="02010600030101010101" pitchFamily="2" charset="-122"/>
+                <a:cs typeface="Times New Roman" panose="02020603050405020304" pitchFamily="18" charset="0"/>
+              </a:rPr>
+              <a:t>WPF</a:t>
+            </a:r>
+            <a:r>
+              <a:rPr lang="zh-CN" altLang="zh-CN" sz="1800" kern="100" dirty="0">
+                <a:effectLst/>
+                <a:latin typeface="等线" panose="02010600030101010101" pitchFamily="2" charset="-122"/>
+                <a:ea typeface="宋体" panose="02010600030101010101" pitchFamily="2" charset="-122"/>
+                <a:cs typeface="Times New Roman" panose="02020603050405020304" pitchFamily="18" charset="0"/>
+              </a:rPr>
+              <a:t>、</a:t>
+            </a:r>
+            <a:r>
+              <a:rPr lang="en-US" altLang="zh-CN" sz="1800" kern="100" dirty="0" err="1">
+                <a:effectLst/>
+                <a:latin typeface="等线" panose="02010600030101010101" pitchFamily="2" charset="-122"/>
+                <a:ea typeface="宋体" panose="02010600030101010101" pitchFamily="2" charset="-122"/>
+                <a:cs typeface="Times New Roman" panose="02020603050405020304" pitchFamily="18" charset="0"/>
+              </a:rPr>
+              <a:t>.Net</a:t>
+            </a:r>
+            <a:r>
+              <a:rPr lang="zh-CN" altLang="zh-CN" sz="1800" kern="100" dirty="0">
+                <a:effectLst/>
+                <a:latin typeface="等线" panose="02010600030101010101" pitchFamily="2" charset="-122"/>
+                <a:ea typeface="宋体" panose="02010600030101010101" pitchFamily="2" charset="-122"/>
+                <a:cs typeface="Times New Roman" panose="02020603050405020304" pitchFamily="18" charset="0"/>
+              </a:rPr>
+              <a:t>等培训，在技术培训期间，课下主要以完成老师们留的作业为主，在最后技术培训和日语培训完成后。独立完成了一项学生管理系统的开发大作业，然后测试等一些文档都是用日语来编写的。</a:t>
+            </a:r>
+            <a:endParaRPr lang="zh-CN" altLang="zh-CN" sz="1800" kern="100" dirty="0">
+              <a:effectLst/>
+              <a:latin typeface="等线" panose="02010600030101010101" pitchFamily="2" charset="-122"/>
+              <a:ea typeface="等线" panose="02010600030101010101" pitchFamily="2" charset="-122"/>
+              <a:cs typeface="Times New Roman" panose="02020603050405020304" pitchFamily="18" charset="0"/>
+            </a:endParaRPr>
+          </a:p>
+          <a:p>
+            <a:endParaRPr lang="zh-CN" altLang="en-US" dirty="0"/>
+          </a:p>
+        </p:txBody>
+      </p:sp>
+      <p:sp>
+        <p:nvSpPr>
+          <p:cNvPr id="4" name="灯片编号占位符 3"/>
+          <p:cNvSpPr>
+            <a:spLocks noGrp="1"/>
+          </p:cNvSpPr>
+          <p:nvPr>
+            <p:ph type="sldNum" sz="quarter" idx="5"/>
+          </p:nvPr>
+        </p:nvSpPr>
+        <p:spPr/>
+        <p:txBody>
+          <a:bodyPr/>
+          <a:lstStyle/>
+          <a:p>
+            <a:fld id="{7DE2E8FF-3D0C-9D4D-B4D1-3089215958A5}" type="slidenum">
+              <a:rPr lang="en-US" smtClean="0"/>
+              <a:pPr/>
+              <a:t>5</a:t>
+            </a:fld>
+            <a:endParaRPr lang="en-US" dirty="0"/>
+          </a:p>
+        </p:txBody>
+      </p:sp>
+    </p:spTree>
+    <p:extLst>
+      <p:ext uri="{BB962C8B-B14F-4D97-AF65-F5344CB8AC3E}">
+        <p14:creationId xmlns:p14="http://schemas.microsoft.com/office/powerpoint/2010/main" val="3290992041"/>
+      </p:ext>
+    </p:extLst>
+  </p:cSld>
+  <p:clrMapOvr>
+    <a:masterClrMapping/>
+  </p:clrMapOvr>
+</p:notes>
+</file>
+
+<file path=ppt/notesSlides/notesSlide6.xml><?xml version="1.0" encoding="utf-8"?>
+<p:notes xmlns:a="http://schemas.openxmlformats.org/drawingml/2006/main" xmlns:r="http://schemas.openxmlformats.org/officeDocument/2006/relationships" xmlns:p="http://schemas.openxmlformats.org/presentationml/2006/main">
+  <p:cSld>
+    <p:spTree>
+      <p:nvGrpSpPr>
+        <p:cNvPr id="1" name=""/>
+        <p:cNvGrpSpPr/>
+        <p:nvPr/>
+      </p:nvGrpSpPr>
+      <p:grpSpPr>
+        <a:xfrm>
+          <a:off x="0" y="0"/>
+          <a:ext cx="0" cy="0"/>
+          <a:chOff x="0" y="0"/>
+          <a:chExt cx="0" cy="0"/>
+        </a:xfrm>
+      </p:grpSpPr>
+      <p:sp>
+        <p:nvSpPr>
+          <p:cNvPr id="2" name="幻灯片图像占位符 1"/>
+          <p:cNvSpPr>
+            <a:spLocks noGrp="1" noRot="1" noChangeAspect="1"/>
+          </p:cNvSpPr>
+          <p:nvPr>
+            <p:ph type="sldImg"/>
+          </p:nvPr>
+        </p:nvSpPr>
+        <p:spPr/>
+      </p:sp>
+      <p:sp>
+        <p:nvSpPr>
+          <p:cNvPr id="3" name="备注占位符 2"/>
+          <p:cNvSpPr>
+            <a:spLocks noGrp="1"/>
+          </p:cNvSpPr>
+          <p:nvPr>
+            <p:ph type="body" idx="1"/>
+          </p:nvPr>
+        </p:nvSpPr>
+        <p:spPr/>
+        <p:txBody>
+          <a:bodyPr/>
+          <a:lstStyle/>
+          <a:p>
+            <a:pPr indent="266700" algn="just"/>
+            <a:r>
+              <a:rPr lang="zh-CN" altLang="zh-CN" sz="1800" kern="100" dirty="0">
+                <a:effectLst/>
+                <a:latin typeface="等线" panose="02010600030101010101" pitchFamily="2" charset="-122"/>
+                <a:ea typeface="宋体" panose="02010600030101010101" pitchFamily="2" charset="-122"/>
+                <a:cs typeface="Times New Roman" panose="02020603050405020304" pitchFamily="18" charset="0"/>
+              </a:rPr>
+              <a:t>在培训全部结束后，就到了进入项目实习阶段，我是一直在</a:t>
+            </a:r>
+            <a:r>
+              <a:rPr lang="en-US" altLang="zh-CN" sz="1800" kern="100" dirty="0">
+                <a:effectLst/>
+                <a:latin typeface="等线" panose="02010600030101010101" pitchFamily="2" charset="-122"/>
+                <a:ea typeface="宋体" panose="02010600030101010101" pitchFamily="2" charset="-122"/>
+                <a:cs typeface="Times New Roman" panose="02020603050405020304" pitchFamily="18" charset="0"/>
+              </a:rPr>
+              <a:t>CW6-ADR</a:t>
+            </a:r>
+            <a:r>
+              <a:rPr lang="zh-CN" altLang="zh-CN" sz="1800" kern="100" dirty="0">
+                <a:effectLst/>
+                <a:latin typeface="等线" panose="02010600030101010101" pitchFamily="2" charset="-122"/>
+                <a:ea typeface="宋体" panose="02010600030101010101" pitchFamily="2" charset="-122"/>
+                <a:cs typeface="Times New Roman" panose="02020603050405020304" pitchFamily="18" charset="0"/>
+              </a:rPr>
+              <a:t>项目组实习，刚进项目的几天熟悉了项目的系统以及环境配置，然后我来详细的介绍一下在项目里的工作，这个</a:t>
+            </a:r>
+            <a:r>
+              <a:rPr lang="en-US" altLang="zh-CN" sz="1800" kern="100" dirty="0">
+                <a:effectLst/>
+                <a:latin typeface="等线" panose="02010600030101010101" pitchFamily="2" charset="-122"/>
+                <a:ea typeface="宋体" panose="02010600030101010101" pitchFamily="2" charset="-122"/>
+                <a:cs typeface="Times New Roman" panose="02020603050405020304" pitchFamily="18" charset="0"/>
+              </a:rPr>
+              <a:t>R3-1987</a:t>
+            </a:r>
+            <a:r>
+              <a:rPr lang="zh-CN" altLang="zh-CN" sz="1800" kern="100" dirty="0">
+                <a:effectLst/>
+                <a:latin typeface="等线" panose="02010600030101010101" pitchFamily="2" charset="-122"/>
+                <a:ea typeface="宋体" panose="02010600030101010101" pitchFamily="2" charset="-122"/>
+                <a:cs typeface="Times New Roman" panose="02020603050405020304" pitchFamily="18" charset="0"/>
+              </a:rPr>
+              <a:t>的意思是我测试工作对应的单票号，</a:t>
+            </a:r>
+            <a:r>
+              <a:rPr lang="en-US" altLang="zh-CN" sz="1800" kern="100" dirty="0">
+                <a:effectLst/>
+                <a:latin typeface="等线" panose="02010600030101010101" pitchFamily="2" charset="-122"/>
+                <a:ea typeface="宋体" panose="02010600030101010101" pitchFamily="2" charset="-122"/>
+                <a:cs typeface="Times New Roman" panose="02020603050405020304" pitchFamily="18" charset="0"/>
+              </a:rPr>
+              <a:t>1987</a:t>
+            </a:r>
+            <a:r>
+              <a:rPr lang="zh-CN" altLang="zh-CN" sz="1800" kern="100" dirty="0">
+                <a:effectLst/>
+                <a:latin typeface="等线" panose="02010600030101010101" pitchFamily="2" charset="-122"/>
+                <a:ea typeface="宋体" panose="02010600030101010101" pitchFamily="2" charset="-122"/>
+                <a:cs typeface="Times New Roman" panose="02020603050405020304" pitchFamily="18" charset="0"/>
+              </a:rPr>
+              <a:t>这个工作的需求是客户在</a:t>
+            </a:r>
+            <a:r>
+              <a:rPr lang="en-US" altLang="zh-CN" sz="1800" kern="100" dirty="0">
+                <a:effectLst/>
+                <a:latin typeface="等线" panose="02010600030101010101" pitchFamily="2" charset="-122"/>
+                <a:ea typeface="宋体" panose="02010600030101010101" pitchFamily="2" charset="-122"/>
+                <a:cs typeface="Times New Roman" panose="02020603050405020304" pitchFamily="18" charset="0"/>
+              </a:rPr>
+              <a:t>Azure SQL DB</a:t>
+            </a:r>
+            <a:r>
+              <a:rPr lang="zh-CN" altLang="zh-CN" sz="1800" kern="100" dirty="0">
+                <a:effectLst/>
+                <a:latin typeface="等线" panose="02010600030101010101" pitchFamily="2" charset="-122"/>
+                <a:ea typeface="宋体" panose="02010600030101010101" pitchFamily="2" charset="-122"/>
+                <a:cs typeface="Times New Roman" panose="02020603050405020304" pitchFamily="18" charset="0"/>
+              </a:rPr>
+              <a:t>连接时经常发生故障，在对这些</a:t>
+            </a:r>
+            <a:r>
+              <a:rPr lang="en-US" altLang="zh-CN" sz="1800" kern="100" dirty="0">
+                <a:effectLst/>
+                <a:latin typeface="等线" panose="02010600030101010101" pitchFamily="2" charset="-122"/>
+                <a:ea typeface="宋体" panose="02010600030101010101" pitchFamily="2" charset="-122"/>
+                <a:cs typeface="Times New Roman" panose="02020603050405020304" pitchFamily="18" charset="0"/>
+              </a:rPr>
+              <a:t>DB</a:t>
+            </a:r>
+            <a:r>
+              <a:rPr lang="zh-CN" altLang="zh-CN" sz="1800" kern="100" dirty="0">
+                <a:effectLst/>
+                <a:latin typeface="等线" panose="02010600030101010101" pitchFamily="2" charset="-122"/>
+                <a:ea typeface="宋体" panose="02010600030101010101" pitchFamily="2" charset="-122"/>
+                <a:cs typeface="Times New Roman" panose="02020603050405020304" pitchFamily="18" charset="0"/>
+              </a:rPr>
+              <a:t>的处理中，需要改修改</a:t>
+            </a:r>
+            <a:r>
+              <a:rPr lang="en-US" altLang="zh-CN" sz="1800" kern="100" dirty="0">
+                <a:effectLst/>
+                <a:latin typeface="等线" panose="02010600030101010101" pitchFamily="2" charset="-122"/>
+                <a:ea typeface="宋体" panose="02010600030101010101" pitchFamily="2" charset="-122"/>
+                <a:cs typeface="Times New Roman" panose="02020603050405020304" pitchFamily="18" charset="0"/>
+              </a:rPr>
+              <a:t>Config</a:t>
+            </a:r>
+            <a:r>
+              <a:rPr lang="zh-CN" altLang="zh-CN" sz="1800" kern="100" dirty="0">
+                <a:effectLst/>
+                <a:latin typeface="等线" panose="02010600030101010101" pitchFamily="2" charset="-122"/>
+                <a:ea typeface="宋体" panose="02010600030101010101" pitchFamily="2" charset="-122"/>
+                <a:cs typeface="Times New Roman" panose="02020603050405020304" pitchFamily="18" charset="0"/>
+              </a:rPr>
+              <a:t>中指定的次数</a:t>
+            </a:r>
+            <a:r>
+              <a:rPr lang="en-US" altLang="zh-CN" sz="1800" kern="100" dirty="0">
+                <a:effectLst/>
+                <a:latin typeface="等线" panose="02010600030101010101" pitchFamily="2" charset="-122"/>
+                <a:ea typeface="宋体" panose="02010600030101010101" pitchFamily="2" charset="-122"/>
+                <a:cs typeface="Times New Roman" panose="02020603050405020304" pitchFamily="18" charset="0"/>
+              </a:rPr>
+              <a:t>×</a:t>
+            </a:r>
+            <a:r>
+              <a:rPr lang="zh-CN" altLang="zh-CN" sz="1800" kern="100" dirty="0">
+                <a:effectLst/>
+                <a:latin typeface="等线" panose="02010600030101010101" pitchFamily="2" charset="-122"/>
+                <a:ea typeface="宋体" panose="02010600030101010101" pitchFamily="2" charset="-122"/>
+                <a:cs typeface="Times New Roman" panose="02020603050405020304" pitchFamily="18" charset="0"/>
+              </a:rPr>
+              <a:t>指定的时间重试的处理。</a:t>
+            </a:r>
+            <a:r>
+              <a:rPr lang="ja-JP" altLang="zh-CN" sz="1800" kern="100" dirty="0">
+                <a:effectLst/>
+                <a:latin typeface="等线" panose="02010600030101010101" pitchFamily="2" charset="-122"/>
+                <a:ea typeface="宋体" panose="02010600030101010101" pitchFamily="2" charset="-122"/>
+                <a:cs typeface="Times New Roman" panose="02020603050405020304" pitchFamily="18" charset="0"/>
+              </a:rPr>
+              <a:t>相应的关于</a:t>
+            </a:r>
+            <a:r>
+              <a:rPr lang="en-US" altLang="zh-CN" sz="1800" kern="100" dirty="0">
+                <a:effectLst/>
+                <a:latin typeface="宋体" panose="02010600030101010101" pitchFamily="2" charset="-122"/>
+                <a:ea typeface="等线" panose="02010600030101010101" pitchFamily="2" charset="-122"/>
+                <a:cs typeface="Times New Roman" panose="02020603050405020304" pitchFamily="18" charset="0"/>
+              </a:rPr>
+              <a:t>DB</a:t>
+            </a:r>
+            <a:r>
+              <a:rPr lang="zh-CN" altLang="zh-CN" sz="1800" kern="100" dirty="0">
+                <a:effectLst/>
+                <a:latin typeface="等线" panose="02010600030101010101" pitchFamily="2" charset="-122"/>
+                <a:ea typeface="宋体" panose="02010600030101010101" pitchFamily="2" charset="-122"/>
+                <a:cs typeface="Times New Roman" panose="02020603050405020304" pitchFamily="18" charset="0"/>
+              </a:rPr>
+              <a:t>的</a:t>
+            </a:r>
+            <a:r>
+              <a:rPr lang="ja-JP" altLang="zh-CN" sz="1800" kern="100" dirty="0">
+                <a:effectLst/>
+                <a:latin typeface="等线" panose="02010600030101010101" pitchFamily="2" charset="-122"/>
+                <a:ea typeface="宋体" panose="02010600030101010101" pitchFamily="2" charset="-122"/>
+                <a:cs typeface="Times New Roman" panose="02020603050405020304" pitchFamily="18" charset="0"/>
+              </a:rPr>
+              <a:t>代码就有一定的变化，我的工作任务是在开发人员更改完代码之后，对修改的地方先进行理解然后在所有调用</a:t>
+            </a:r>
+            <a:r>
+              <a:rPr lang="en-US" altLang="zh-CN" sz="1800" kern="100" dirty="0">
+                <a:effectLst/>
+                <a:latin typeface="宋体" panose="02010600030101010101" pitchFamily="2" charset="-122"/>
+                <a:ea typeface="等线" panose="02010600030101010101" pitchFamily="2" charset="-122"/>
+                <a:cs typeface="Times New Roman" panose="02020603050405020304" pitchFamily="18" charset="0"/>
+              </a:rPr>
+              <a:t>DB</a:t>
+            </a:r>
+            <a:r>
+              <a:rPr lang="ja-JP" altLang="zh-CN" sz="1800" kern="100" dirty="0">
+                <a:effectLst/>
+                <a:latin typeface="等线" panose="02010600030101010101" pitchFamily="2" charset="-122"/>
+                <a:ea typeface="宋体" panose="02010600030101010101" pitchFamily="2" charset="-122"/>
+                <a:cs typeface="Times New Roman" panose="02020603050405020304" pitchFamily="18" charset="0"/>
+              </a:rPr>
+              <a:t>的代码处进行测试，每次测试的具体流程就是修改配置文件然后自己写</a:t>
+            </a:r>
+            <a:r>
+              <a:rPr lang="en-US" altLang="zh-CN" sz="1800" kern="100" dirty="0">
+                <a:effectLst/>
+                <a:latin typeface="宋体" panose="02010600030101010101" pitchFamily="2" charset="-122"/>
+                <a:ea typeface="等线" panose="02010600030101010101" pitchFamily="2" charset="-122"/>
+                <a:cs typeface="Times New Roman" panose="02020603050405020304" pitchFamily="18" charset="0"/>
+              </a:rPr>
+              <a:t>case</a:t>
+            </a:r>
+            <a:r>
+              <a:rPr lang="ja-JP" altLang="zh-CN" sz="1800" kern="100" dirty="0">
+                <a:effectLst/>
+                <a:latin typeface="等线" panose="02010600030101010101" pitchFamily="2" charset="-122"/>
+                <a:ea typeface="宋体" panose="02010600030101010101" pitchFamily="2" charset="-122"/>
+                <a:cs typeface="Times New Roman" panose="02020603050405020304" pitchFamily="18" charset="0"/>
+              </a:rPr>
+              <a:t>截取エビデンス，前后一共大概测试了三百个</a:t>
+            </a:r>
+            <a:r>
+              <a:rPr lang="en-US" altLang="zh-CN" sz="1800" kern="100" dirty="0">
+                <a:effectLst/>
+                <a:latin typeface="宋体" panose="02010600030101010101" pitchFamily="2" charset="-122"/>
+                <a:ea typeface="等线" panose="02010600030101010101" pitchFamily="2" charset="-122"/>
+                <a:cs typeface="Times New Roman" panose="02020603050405020304" pitchFamily="18" charset="0"/>
+              </a:rPr>
+              <a:t>case</a:t>
+            </a:r>
+            <a:r>
+              <a:rPr lang="ja-JP" altLang="zh-CN" sz="1800" kern="100" dirty="0">
+                <a:effectLst/>
+                <a:latin typeface="等线" panose="02010600030101010101" pitchFamily="2" charset="-122"/>
+                <a:ea typeface="宋体" panose="02010600030101010101" pitchFamily="2" charset="-122"/>
+                <a:cs typeface="Times New Roman" panose="02020603050405020304" pitchFamily="18" charset="0"/>
+              </a:rPr>
+              <a:t>，在所有测试工作结束之后，列出所有相关方法的调用层次结构。</a:t>
+            </a:r>
+            <a:r>
+              <a:rPr lang="zh-CN" altLang="zh-CN" sz="1800" kern="100" dirty="0">
+                <a:effectLst/>
+                <a:latin typeface="等线" panose="02010600030101010101" pitchFamily="2" charset="-122"/>
+                <a:ea typeface="宋体" panose="02010600030101010101" pitchFamily="2" charset="-122"/>
+                <a:cs typeface="Times New Roman" panose="02020603050405020304" pitchFamily="18" charset="0"/>
+              </a:rPr>
+              <a:t>在这个工作中我学会了在</a:t>
+            </a:r>
+            <a:r>
+              <a:rPr lang="en-US" altLang="zh-CN" sz="1800" kern="100" dirty="0">
+                <a:effectLst/>
+                <a:latin typeface="等线" panose="02010600030101010101" pitchFamily="2" charset="-122"/>
+                <a:ea typeface="宋体" panose="02010600030101010101" pitchFamily="2" charset="-122"/>
+                <a:cs typeface="Times New Roman" panose="02020603050405020304" pitchFamily="18" charset="0"/>
+              </a:rPr>
+              <a:t>VS</a:t>
+            </a:r>
+            <a:r>
+              <a:rPr lang="zh-CN" altLang="zh-CN" sz="1800" kern="100" dirty="0">
+                <a:effectLst/>
+                <a:latin typeface="等线" panose="02010600030101010101" pitchFamily="2" charset="-122"/>
+                <a:ea typeface="宋体" panose="02010600030101010101" pitchFamily="2" charset="-122"/>
+                <a:cs typeface="Times New Roman" panose="02020603050405020304" pitchFamily="18" charset="0"/>
+              </a:rPr>
+              <a:t>中使用【</a:t>
+            </a:r>
+            <a:r>
+              <a:rPr lang="en-US" altLang="zh-CN" sz="1800" kern="100" dirty="0">
+                <a:effectLst/>
+                <a:latin typeface="等线" panose="02010600030101010101" pitchFamily="2" charset="-122"/>
+                <a:ea typeface="宋体" panose="02010600030101010101" pitchFamily="2" charset="-122"/>
+                <a:cs typeface="Times New Roman" panose="02020603050405020304" pitchFamily="18" charset="0"/>
+              </a:rPr>
+              <a:t>attach to process</a:t>
+            </a:r>
+            <a:r>
+              <a:rPr lang="zh-CN" altLang="zh-CN" sz="1800" kern="100" dirty="0">
+                <a:effectLst/>
+                <a:latin typeface="等线" panose="02010600030101010101" pitchFamily="2" charset="-122"/>
+                <a:ea typeface="宋体" panose="02010600030101010101" pitchFamily="2" charset="-122"/>
+                <a:cs typeface="Times New Roman" panose="02020603050405020304" pitchFamily="18" charset="0"/>
+              </a:rPr>
+              <a:t>】就是附加到进程去</a:t>
+            </a:r>
+            <a:r>
+              <a:rPr lang="en-US" altLang="zh-CN" sz="1800" kern="100" dirty="0">
+                <a:effectLst/>
+                <a:latin typeface="等线" panose="02010600030101010101" pitchFamily="2" charset="-122"/>
+                <a:ea typeface="宋体" panose="02010600030101010101" pitchFamily="2" charset="-122"/>
+                <a:cs typeface="Times New Roman" panose="02020603050405020304" pitchFamily="18" charset="0"/>
+              </a:rPr>
+              <a:t>debug</a:t>
+            </a:r>
+            <a:r>
+              <a:rPr lang="zh-CN" altLang="zh-CN" sz="1800" kern="100" dirty="0">
+                <a:effectLst/>
+                <a:latin typeface="等线" panose="02010600030101010101" pitchFamily="2" charset="-122"/>
+                <a:ea typeface="宋体" panose="02010600030101010101" pitchFamily="2" charset="-122"/>
+                <a:cs typeface="Times New Roman" panose="02020603050405020304" pitchFamily="18" charset="0"/>
+              </a:rPr>
+              <a:t>程序，了解了项目代码内部的运行方式以及逻辑，能够做到查找潜在的错误以及缺陷，对项目中基盘的</a:t>
+            </a:r>
+            <a:r>
+              <a:rPr lang="en-US" altLang="zh-CN" sz="1800" kern="100" dirty="0">
+                <a:effectLst/>
+                <a:latin typeface="等线" panose="02010600030101010101" pitchFamily="2" charset="-122"/>
+                <a:ea typeface="宋体" panose="02010600030101010101" pitchFamily="2" charset="-122"/>
+                <a:cs typeface="Times New Roman" panose="02020603050405020304" pitchFamily="18" charset="0"/>
+              </a:rPr>
+              <a:t>DB</a:t>
+            </a:r>
+            <a:r>
+              <a:rPr lang="zh-CN" altLang="zh-CN" sz="1800" kern="100" dirty="0">
+                <a:effectLst/>
+                <a:latin typeface="等线" panose="02010600030101010101" pitchFamily="2" charset="-122"/>
+                <a:ea typeface="宋体" panose="02010600030101010101" pitchFamily="2" charset="-122"/>
+                <a:cs typeface="Times New Roman" panose="02020603050405020304" pitchFamily="18" charset="0"/>
+              </a:rPr>
+              <a:t>处理部分，以及异常处理机制有了一定的掌握。</a:t>
+            </a:r>
+            <a:endParaRPr lang="zh-CN" altLang="zh-CN" sz="1800" kern="100" dirty="0">
+              <a:effectLst/>
+              <a:latin typeface="等线" panose="02010600030101010101" pitchFamily="2" charset="-122"/>
+              <a:ea typeface="等线" panose="02010600030101010101" pitchFamily="2" charset="-122"/>
+              <a:cs typeface="Times New Roman" panose="02020603050405020304" pitchFamily="18" charset="0"/>
+            </a:endParaRPr>
+          </a:p>
+        </p:txBody>
+      </p:sp>
+      <p:sp>
+        <p:nvSpPr>
+          <p:cNvPr id="4" name="灯片编号占位符 3"/>
+          <p:cNvSpPr>
+            <a:spLocks noGrp="1"/>
+          </p:cNvSpPr>
+          <p:nvPr>
+            <p:ph type="sldNum" sz="quarter" idx="5"/>
+          </p:nvPr>
+        </p:nvSpPr>
+        <p:spPr/>
+        <p:txBody>
+          <a:bodyPr/>
+          <a:lstStyle/>
+          <a:p>
+            <a:fld id="{7DE2E8FF-3D0C-9D4D-B4D1-3089215958A5}" type="slidenum">
+              <a:rPr lang="en-US" smtClean="0"/>
+              <a:pPr/>
+              <a:t>6</a:t>
+            </a:fld>
+            <a:endParaRPr lang="en-US" dirty="0"/>
+          </a:p>
+        </p:txBody>
+      </p:sp>
+    </p:spTree>
+    <p:extLst>
+      <p:ext uri="{BB962C8B-B14F-4D97-AF65-F5344CB8AC3E}">
+        <p14:creationId xmlns:p14="http://schemas.microsoft.com/office/powerpoint/2010/main" val="3095576136"/>
+      </p:ext>
+    </p:extLst>
+  </p:cSld>
+  <p:clrMapOvr>
+    <a:masterClrMapping/>
+  </p:clrMapOvr>
+</p:notes>
+</file>
+
+<file path=ppt/notesSlides/notesSlide7.xml><?xml version="1.0" encoding="utf-8"?>
+<p:notes xmlns:a="http://schemas.openxmlformats.org/drawingml/2006/main" xmlns:r="http://schemas.openxmlformats.org/officeDocument/2006/relationships" xmlns:p="http://schemas.openxmlformats.org/presentationml/2006/main">
+  <p:cSld>
+    <p:spTree>
+      <p:nvGrpSpPr>
+        <p:cNvPr id="1" name=""/>
+        <p:cNvGrpSpPr/>
+        <p:nvPr/>
+      </p:nvGrpSpPr>
+      <p:grpSpPr>
+        <a:xfrm>
+          <a:off x="0" y="0"/>
+          <a:ext cx="0" cy="0"/>
+          <a:chOff x="0" y="0"/>
+          <a:chExt cx="0" cy="0"/>
+        </a:xfrm>
+      </p:grpSpPr>
+      <p:sp>
+        <p:nvSpPr>
+          <p:cNvPr id="2" name="幻灯片图像占位符 1"/>
+          <p:cNvSpPr>
+            <a:spLocks noGrp="1" noRot="1" noChangeAspect="1"/>
+          </p:cNvSpPr>
+          <p:nvPr>
+            <p:ph type="sldImg"/>
+          </p:nvPr>
+        </p:nvSpPr>
+        <p:spPr/>
+      </p:sp>
+      <p:sp>
+        <p:nvSpPr>
+          <p:cNvPr id="3" name="备注占位符 2"/>
+          <p:cNvSpPr>
+            <a:spLocks noGrp="1"/>
+          </p:cNvSpPr>
+          <p:nvPr>
+            <p:ph type="body" idx="1"/>
+          </p:nvPr>
+        </p:nvSpPr>
+        <p:spPr/>
+        <p:txBody>
+          <a:bodyPr/>
+          <a:lstStyle/>
+          <a:p>
+            <a:pPr indent="266700" algn="just">
+              <a:lnSpc>
+                <a:spcPct val="150000"/>
+              </a:lnSpc>
+            </a:pPr>
+            <a:r>
+              <a:rPr lang="ja-JP" altLang="zh-CN" sz="1800" kern="100" dirty="0">
+                <a:effectLst/>
+                <a:latin typeface="等线" panose="02010600030101010101" pitchFamily="2" charset="-122"/>
+                <a:ea typeface="宋体" panose="02010600030101010101" pitchFamily="2" charset="-122"/>
+                <a:cs typeface="Times New Roman" panose="02020603050405020304" pitchFamily="18" charset="0"/>
+              </a:rPr>
+              <a:t>在上一个测试工作完成后，我开始了</a:t>
+            </a:r>
+            <a:r>
+              <a:rPr lang="en-US" altLang="zh-CN" sz="1800" kern="100" dirty="0">
+                <a:effectLst/>
+                <a:latin typeface="宋体" panose="02010600030101010101" pitchFamily="2" charset="-122"/>
+                <a:ea typeface="等线" panose="02010600030101010101" pitchFamily="2" charset="-122"/>
+                <a:cs typeface="Times New Roman" panose="02020603050405020304" pitchFamily="18" charset="0"/>
+              </a:rPr>
+              <a:t>2002</a:t>
+            </a:r>
+            <a:r>
+              <a:rPr lang="ja-JP" altLang="zh-CN" sz="1800" kern="100" dirty="0">
+                <a:effectLst/>
+                <a:latin typeface="等线" panose="02010600030101010101" pitchFamily="2" charset="-122"/>
+                <a:ea typeface="宋体" panose="02010600030101010101" pitchFamily="2" charset="-122"/>
+                <a:cs typeface="Times New Roman" panose="02020603050405020304" pitchFamily="18" charset="0"/>
+              </a:rPr>
+              <a:t>单票的对应工作，这个的需求是客户需要一个在</a:t>
+            </a:r>
+            <a:r>
+              <a:rPr lang="en-US" altLang="zh-CN" sz="1800" kern="100" dirty="0">
+                <a:effectLst/>
+                <a:latin typeface="宋体" panose="02010600030101010101" pitchFamily="2" charset="-122"/>
+                <a:ea typeface="等线" panose="02010600030101010101" pitchFamily="2" charset="-122"/>
+                <a:cs typeface="Times New Roman" panose="02020603050405020304" pitchFamily="18" charset="0"/>
+              </a:rPr>
+              <a:t>win10</a:t>
+            </a:r>
+            <a:r>
+              <a:rPr lang="ja-JP" altLang="zh-CN" sz="1800" kern="100" dirty="0">
+                <a:effectLst/>
+                <a:latin typeface="等线" panose="02010600030101010101" pitchFamily="2" charset="-122"/>
+                <a:ea typeface="宋体" panose="02010600030101010101" pitchFamily="2" charset="-122"/>
+                <a:cs typeface="Times New Roman" panose="02020603050405020304" pitchFamily="18" charset="0"/>
+              </a:rPr>
+              <a:t>、</a:t>
+            </a:r>
+            <a:r>
+              <a:rPr lang="en-US" altLang="zh-CN" sz="1800" kern="100" dirty="0">
+                <a:effectLst/>
+                <a:latin typeface="宋体" panose="02010600030101010101" pitchFamily="2" charset="-122"/>
+                <a:ea typeface="等线" panose="02010600030101010101" pitchFamily="2" charset="-122"/>
+                <a:cs typeface="Times New Roman" panose="02020603050405020304" pitchFamily="18" charset="0"/>
+              </a:rPr>
+              <a:t>win11</a:t>
+            </a:r>
+            <a:r>
+              <a:rPr lang="ja-JP" altLang="zh-CN" sz="1800" kern="100" dirty="0">
+                <a:effectLst/>
+                <a:latin typeface="等线" panose="02010600030101010101" pitchFamily="2" charset="-122"/>
+                <a:ea typeface="宋体" panose="02010600030101010101" pitchFamily="2" charset="-122"/>
+                <a:cs typeface="Times New Roman" panose="02020603050405020304" pitchFamily="18" charset="0"/>
+              </a:rPr>
+              <a:t>上我们项目系统的使用流程以及整体程序的操作流程的エビデンス，然后我做的工作就是在做黑盒测试的同时按照日方提供的手顺书进行截取えびでんす、遇到在虚拟机上环境缺失的问题时自行调配环境，然后对其他同事</a:t>
+            </a:r>
+            <a:r>
+              <a:rPr lang="en-US" altLang="zh-CN" sz="1800" kern="100" dirty="0">
+                <a:effectLst/>
+                <a:latin typeface="宋体" panose="02010600030101010101" pitchFamily="2" charset="-122"/>
+                <a:ea typeface="等线" panose="02010600030101010101" pitchFamily="2" charset="-122"/>
+                <a:cs typeface="Times New Roman" panose="02020603050405020304" pitchFamily="18" charset="0"/>
+              </a:rPr>
+              <a:t>review</a:t>
+            </a:r>
+            <a:r>
+              <a:rPr lang="ja-JP" altLang="zh-CN" sz="1800" kern="100" dirty="0">
+                <a:effectLst/>
+                <a:latin typeface="等线" panose="02010600030101010101" pitchFamily="2" charset="-122"/>
+                <a:ea typeface="宋体" panose="02010600030101010101" pitchFamily="2" charset="-122"/>
+                <a:cs typeface="Times New Roman" panose="02020603050405020304" pitchFamily="18" charset="0"/>
+              </a:rPr>
+              <a:t>后提出的要点进行改正。</a:t>
+            </a:r>
+            <a:r>
+              <a:rPr lang="zh-CN" altLang="zh-CN" sz="1800" kern="100" dirty="0">
+                <a:effectLst/>
+                <a:latin typeface="等线" panose="02010600030101010101" pitchFamily="2" charset="-122"/>
+                <a:ea typeface="宋体" panose="02010600030101010101" pitchFamily="2" charset="-122"/>
+                <a:cs typeface="Times New Roman" panose="02020603050405020304" pitchFamily="18" charset="0"/>
+              </a:rPr>
+              <a:t>最后这个单票在规定的时间内提前完成了，在这个测试工作过程中我主要学会了我所在的项目系统业务大体的流程，可以独立配置项目的环境，了解了项目主要的数据库表结构等等，同时，因为这个测试主要依照两本手顺书完成的，所以我在对日语手顺书的理解方面上有了很大的提升。</a:t>
+            </a:r>
+            <a:endParaRPr lang="zh-CN" altLang="zh-CN" sz="1800" kern="100" dirty="0">
+              <a:effectLst/>
+              <a:latin typeface="等线" panose="02010600030101010101" pitchFamily="2" charset="-122"/>
+              <a:ea typeface="等线" panose="02010600030101010101" pitchFamily="2" charset="-122"/>
+              <a:cs typeface="Times New Roman" panose="02020603050405020304" pitchFamily="18" charset="0"/>
+            </a:endParaRPr>
+          </a:p>
+        </p:txBody>
+      </p:sp>
+      <p:sp>
+        <p:nvSpPr>
+          <p:cNvPr id="4" name="灯片编号占位符 3"/>
+          <p:cNvSpPr>
+            <a:spLocks noGrp="1"/>
+          </p:cNvSpPr>
+          <p:nvPr>
+            <p:ph type="sldNum" sz="quarter" idx="5"/>
+          </p:nvPr>
+        </p:nvSpPr>
+        <p:spPr/>
+        <p:txBody>
+          <a:bodyPr/>
+          <a:lstStyle/>
+          <a:p>
+            <a:fld id="{7DE2E8FF-3D0C-9D4D-B4D1-3089215958A5}" type="slidenum">
+              <a:rPr lang="en-US" smtClean="0"/>
+              <a:pPr/>
+              <a:t>7</a:t>
+            </a:fld>
+            <a:endParaRPr lang="en-US" dirty="0"/>
+          </a:p>
+        </p:txBody>
+      </p:sp>
+    </p:spTree>
+    <p:extLst>
+      <p:ext uri="{BB962C8B-B14F-4D97-AF65-F5344CB8AC3E}">
+        <p14:creationId xmlns:p14="http://schemas.microsoft.com/office/powerpoint/2010/main" val="2322572646"/>
+      </p:ext>
+    </p:extLst>
+  </p:cSld>
+  <p:clrMapOvr>
+    <a:masterClrMapping/>
+  </p:clrMapOvr>
+</p:notes>
+</file>
+
+<file path=ppt/notesSlides/notesSlide8.xml><?xml version="1.0" encoding="utf-8"?>
+<p:notes xmlns:a="http://schemas.openxmlformats.org/drawingml/2006/main" xmlns:r="http://schemas.openxmlformats.org/officeDocument/2006/relationships" xmlns:p="http://schemas.openxmlformats.org/presentationml/2006/main">
+  <p:cSld>
+    <p:spTree>
+      <p:nvGrpSpPr>
+        <p:cNvPr id="1" name=""/>
+        <p:cNvGrpSpPr/>
+        <p:nvPr/>
+      </p:nvGrpSpPr>
+      <p:grpSpPr>
+        <a:xfrm>
+          <a:off x="0" y="0"/>
+          <a:ext cx="0" cy="0"/>
+          <a:chOff x="0" y="0"/>
+          <a:chExt cx="0" cy="0"/>
+        </a:xfrm>
+      </p:grpSpPr>
+      <p:sp>
+        <p:nvSpPr>
+          <p:cNvPr id="2" name="幻灯片图像占位符 1"/>
+          <p:cNvSpPr>
+            <a:spLocks noGrp="1" noRot="1" noChangeAspect="1"/>
+          </p:cNvSpPr>
+          <p:nvPr>
+            <p:ph type="sldImg"/>
+          </p:nvPr>
+        </p:nvSpPr>
+        <p:spPr/>
+      </p:sp>
+      <p:sp>
+        <p:nvSpPr>
+          <p:cNvPr id="3" name="备注占位符 2"/>
+          <p:cNvSpPr>
+            <a:spLocks noGrp="1"/>
+          </p:cNvSpPr>
+          <p:nvPr>
+            <p:ph type="body" idx="1"/>
+          </p:nvPr>
+        </p:nvSpPr>
+        <p:spPr/>
+        <p:txBody>
+          <a:bodyPr/>
+          <a:lstStyle/>
+          <a:p>
+            <a:pPr indent="266700" algn="just"/>
+            <a:r>
+              <a:rPr lang="zh-CN" altLang="zh-CN" sz="1800" kern="100" dirty="0">
+                <a:effectLst/>
+                <a:latin typeface="等线" panose="02010600030101010101" pitchFamily="2" charset="-122"/>
+                <a:ea typeface="宋体" panose="02010600030101010101" pitchFamily="2" charset="-122"/>
+                <a:cs typeface="Times New Roman" panose="02020603050405020304" pitchFamily="18" charset="0"/>
+              </a:rPr>
+              <a:t>然后上一个任务结束后，我开始对</a:t>
+            </a:r>
+            <a:r>
+              <a:rPr lang="en-US" altLang="zh-CN" sz="1800" kern="100" dirty="0">
+                <a:effectLst/>
+                <a:latin typeface="等线" panose="02010600030101010101" pitchFamily="2" charset="-122"/>
+                <a:ea typeface="宋体" panose="02010600030101010101" pitchFamily="2" charset="-122"/>
+                <a:cs typeface="Times New Roman" panose="02020603050405020304" pitchFamily="18" charset="0"/>
+              </a:rPr>
+              <a:t>1909</a:t>
+            </a:r>
+            <a:r>
+              <a:rPr lang="zh-CN" altLang="zh-CN" sz="1800" kern="100" dirty="0">
+                <a:effectLst/>
+                <a:latin typeface="等线" panose="02010600030101010101" pitchFamily="2" charset="-122"/>
+                <a:ea typeface="宋体" panose="02010600030101010101" pitchFamily="2" charset="-122"/>
+                <a:cs typeface="Times New Roman" panose="02020603050405020304" pitchFamily="18" charset="0"/>
+              </a:rPr>
+              <a:t>进行测试，这个测试的需求主要是因为日方式样的变更，原来的功能需要代码创建</a:t>
+            </a:r>
+            <a:r>
+              <a:rPr lang="en-US" altLang="zh-CN" sz="1800" kern="100" dirty="0">
+                <a:effectLst/>
+                <a:latin typeface="等线" panose="02010600030101010101" pitchFamily="2" charset="-122"/>
+                <a:ea typeface="宋体" panose="02010600030101010101" pitchFamily="2" charset="-122"/>
+                <a:cs typeface="Times New Roman" panose="02020603050405020304" pitchFamily="18" charset="0"/>
+              </a:rPr>
+              <a:t>Azure Batch</a:t>
+            </a:r>
+            <a:r>
+              <a:rPr lang="zh-CN" altLang="zh-CN" sz="1800" kern="100" dirty="0">
+                <a:effectLst/>
+                <a:latin typeface="等线" panose="02010600030101010101" pitchFamily="2" charset="-122"/>
+                <a:ea typeface="宋体" panose="02010600030101010101" pitchFamily="2" charset="-122"/>
+                <a:cs typeface="Times New Roman" panose="02020603050405020304" pitchFamily="18" charset="0"/>
+              </a:rPr>
+              <a:t>的</a:t>
+            </a:r>
+            <a:r>
+              <a:rPr lang="en-US" altLang="zh-CN" sz="1800" kern="100" dirty="0">
+                <a:effectLst/>
+                <a:latin typeface="等线" panose="02010600030101010101" pitchFamily="2" charset="-122"/>
+                <a:ea typeface="宋体" panose="02010600030101010101" pitchFamily="2" charset="-122"/>
+                <a:cs typeface="Times New Roman" panose="02020603050405020304" pitchFamily="18" charset="0"/>
+              </a:rPr>
+              <a:t>pool</a:t>
+            </a:r>
+            <a:r>
+              <a:rPr lang="zh-CN" altLang="zh-CN" sz="1800" kern="100" dirty="0">
+                <a:effectLst/>
+                <a:latin typeface="等线" panose="02010600030101010101" pitchFamily="2" charset="-122"/>
+                <a:ea typeface="宋体" panose="02010600030101010101" pitchFamily="2" charset="-122"/>
+                <a:cs typeface="Times New Roman" panose="02020603050405020304" pitchFamily="18" charset="0"/>
+              </a:rPr>
+              <a:t>，现在修改为在既存的</a:t>
+            </a:r>
+            <a:r>
+              <a:rPr lang="en-US" altLang="zh-CN" sz="1800" kern="100" dirty="0">
+                <a:effectLst/>
+                <a:latin typeface="等线" panose="02010600030101010101" pitchFamily="2" charset="-122"/>
+                <a:ea typeface="宋体" panose="02010600030101010101" pitchFamily="2" charset="-122"/>
+                <a:cs typeface="Times New Roman" panose="02020603050405020304" pitchFamily="18" charset="0"/>
+              </a:rPr>
+              <a:t>pool</a:t>
+            </a:r>
+            <a:r>
+              <a:rPr lang="zh-CN" altLang="zh-CN" sz="1800" kern="100" dirty="0">
+                <a:effectLst/>
+                <a:latin typeface="等线" panose="02010600030101010101" pitchFamily="2" charset="-122"/>
+                <a:ea typeface="宋体" panose="02010600030101010101" pitchFamily="2" charset="-122"/>
+                <a:cs typeface="Times New Roman" panose="02020603050405020304" pitchFamily="18" charset="0"/>
+              </a:rPr>
+              <a:t>上进行操作，也就是在代码层面不在去建立</a:t>
+            </a:r>
+            <a:r>
+              <a:rPr lang="en-US" altLang="zh-CN" sz="1800" kern="100" dirty="0">
+                <a:effectLst/>
+                <a:latin typeface="等线" panose="02010600030101010101" pitchFamily="2" charset="-122"/>
+                <a:ea typeface="宋体" panose="02010600030101010101" pitchFamily="2" charset="-122"/>
+                <a:cs typeface="Times New Roman" panose="02020603050405020304" pitchFamily="18" charset="0"/>
+              </a:rPr>
+              <a:t>pool</a:t>
+            </a:r>
+            <a:r>
+              <a:rPr lang="zh-CN" altLang="zh-CN" sz="1800" kern="100" dirty="0">
+                <a:effectLst/>
+                <a:latin typeface="等线" panose="02010600030101010101" pitchFamily="2" charset="-122"/>
+                <a:ea typeface="宋体" panose="02010600030101010101" pitchFamily="2" charset="-122"/>
+                <a:cs typeface="Times New Roman" panose="02020603050405020304" pitchFamily="18" charset="0"/>
+              </a:rPr>
+              <a:t>了，将</a:t>
+            </a:r>
+            <a:r>
+              <a:rPr lang="en-US" altLang="zh-CN" sz="1800" kern="100" dirty="0">
+                <a:effectLst/>
+                <a:latin typeface="等线" panose="02010600030101010101" pitchFamily="2" charset="-122"/>
+                <a:ea typeface="宋体" panose="02010600030101010101" pitchFamily="2" charset="-122"/>
+                <a:cs typeface="Times New Roman" panose="02020603050405020304" pitchFamily="18" charset="0"/>
+              </a:rPr>
+              <a:t>Azure Batch</a:t>
+            </a:r>
+            <a:r>
+              <a:rPr lang="zh-CN" altLang="zh-CN" sz="1800" kern="100" dirty="0">
+                <a:effectLst/>
+                <a:latin typeface="等线" panose="02010600030101010101" pitchFamily="2" charset="-122"/>
+                <a:ea typeface="宋体" panose="02010600030101010101" pitchFamily="2" charset="-122"/>
+                <a:cs typeface="Times New Roman" panose="02020603050405020304" pitchFamily="18" charset="0"/>
+              </a:rPr>
+              <a:t>改为收费版，在每次使用时对</a:t>
+            </a:r>
+            <a:r>
+              <a:rPr lang="en-US" altLang="zh-CN" sz="1800" kern="100" dirty="0">
+                <a:effectLst/>
+                <a:latin typeface="等线" panose="02010600030101010101" pitchFamily="2" charset="-122"/>
+                <a:ea typeface="宋体" panose="02010600030101010101" pitchFamily="2" charset="-122"/>
+                <a:cs typeface="Times New Roman" panose="02020603050405020304" pitchFamily="18" charset="0"/>
+              </a:rPr>
+              <a:t>pool</a:t>
+            </a:r>
+            <a:r>
+              <a:rPr lang="zh-CN" altLang="zh-CN" sz="1800" kern="100" dirty="0">
+                <a:effectLst/>
+                <a:latin typeface="等线" panose="02010600030101010101" pitchFamily="2" charset="-122"/>
+                <a:ea typeface="宋体" panose="02010600030101010101" pitchFamily="2" charset="-122"/>
+                <a:cs typeface="Times New Roman" panose="02020603050405020304" pitchFamily="18" charset="0"/>
+              </a:rPr>
+              <a:t>进行</a:t>
+            </a:r>
+            <a:r>
+              <a:rPr lang="en-US" altLang="zh-CN" sz="1800" kern="100" dirty="0">
+                <a:effectLst/>
+                <a:latin typeface="等线" panose="02010600030101010101" pitchFamily="2" charset="-122"/>
+                <a:ea typeface="宋体" panose="02010600030101010101" pitchFamily="2" charset="-122"/>
+                <a:cs typeface="Times New Roman" panose="02020603050405020304" pitchFamily="18" charset="0"/>
+              </a:rPr>
+              <a:t>Resize</a:t>
+            </a:r>
+            <a:r>
+              <a:rPr lang="zh-CN" altLang="zh-CN" sz="1800" kern="100" dirty="0">
+                <a:effectLst/>
+                <a:latin typeface="等线" panose="02010600030101010101" pitchFamily="2" charset="-122"/>
+                <a:ea typeface="宋体" panose="02010600030101010101" pitchFamily="2" charset="-122"/>
+                <a:cs typeface="Times New Roman" panose="02020603050405020304" pitchFamily="18" charset="0"/>
+              </a:rPr>
+              <a:t>为</a:t>
+            </a:r>
+            <a:r>
+              <a:rPr lang="en-US" altLang="zh-CN" sz="1800" kern="100" dirty="0">
+                <a:effectLst/>
+                <a:latin typeface="等线" panose="02010600030101010101" pitchFamily="2" charset="-122"/>
+                <a:ea typeface="宋体" panose="02010600030101010101" pitchFamily="2" charset="-122"/>
+                <a:cs typeface="Times New Roman" panose="02020603050405020304" pitchFamily="18" charset="0"/>
+              </a:rPr>
+              <a:t>0</a:t>
+            </a:r>
+            <a:r>
+              <a:rPr lang="zh-CN" altLang="zh-CN" sz="1800" kern="100" dirty="0">
+                <a:effectLst/>
+                <a:latin typeface="等线" panose="02010600030101010101" pitchFamily="2" charset="-122"/>
+                <a:ea typeface="宋体" panose="02010600030101010101" pitchFamily="2" charset="-122"/>
+                <a:cs typeface="Times New Roman" panose="02020603050405020304" pitchFamily="18" charset="0"/>
+              </a:rPr>
+              <a:t>也就是将</a:t>
+            </a:r>
+            <a:r>
+              <a:rPr lang="en-US" altLang="zh-CN" sz="1800" kern="100" dirty="0">
+                <a:effectLst/>
+                <a:latin typeface="等线" panose="02010600030101010101" pitchFamily="2" charset="-122"/>
+                <a:ea typeface="宋体" panose="02010600030101010101" pitchFamily="2" charset="-122"/>
+                <a:cs typeface="Times New Roman" panose="02020603050405020304" pitchFamily="18" charset="0"/>
+              </a:rPr>
+              <a:t>pool</a:t>
+            </a:r>
+            <a:r>
+              <a:rPr lang="zh-CN" altLang="zh-CN" sz="1800" kern="100" dirty="0">
+                <a:effectLst/>
+                <a:latin typeface="等线" panose="02010600030101010101" pitchFamily="2" charset="-122"/>
+                <a:ea typeface="宋体" panose="02010600030101010101" pitchFamily="2" charset="-122"/>
+                <a:cs typeface="Times New Roman" panose="02020603050405020304" pitchFamily="18" charset="0"/>
+              </a:rPr>
+              <a:t>中的节点关闭，所以就要修改相关代码，我做的工作是在改修代码后进行测试。刚开始一段时间熟悉了项目中</a:t>
+            </a:r>
+            <a:r>
+              <a:rPr lang="en-US" altLang="zh-CN" sz="1800" kern="100" dirty="0">
+                <a:effectLst/>
+                <a:latin typeface="等线" panose="02010600030101010101" pitchFamily="2" charset="-122"/>
+                <a:ea typeface="宋体" panose="02010600030101010101" pitchFamily="2" charset="-122"/>
+                <a:cs typeface="Times New Roman" panose="02020603050405020304" pitchFamily="18" charset="0"/>
+              </a:rPr>
+              <a:t>Webtools</a:t>
+            </a:r>
+            <a:r>
+              <a:rPr lang="zh-CN" altLang="zh-CN" sz="1800" kern="100" dirty="0">
+                <a:effectLst/>
+                <a:latin typeface="等线" panose="02010600030101010101" pitchFamily="2" charset="-122"/>
+                <a:ea typeface="宋体" panose="02010600030101010101" pitchFamily="2" charset="-122"/>
+                <a:cs typeface="Times New Roman" panose="02020603050405020304" pitchFamily="18" charset="0"/>
+              </a:rPr>
+              <a:t>、</a:t>
+            </a:r>
+            <a:r>
+              <a:rPr lang="en-US" altLang="zh-CN" sz="1800" kern="100" dirty="0" err="1">
+                <a:effectLst/>
+                <a:latin typeface="等线" panose="02010600030101010101" pitchFamily="2" charset="-122"/>
+                <a:ea typeface="宋体" panose="02010600030101010101" pitchFamily="2" charset="-122"/>
+                <a:cs typeface="Times New Roman" panose="02020603050405020304" pitchFamily="18" charset="0"/>
+              </a:rPr>
+              <a:t>HttpTrigger</a:t>
+            </a:r>
+            <a:r>
+              <a:rPr lang="zh-CN" altLang="zh-CN" sz="1800" kern="100" dirty="0">
+                <a:effectLst/>
+                <a:latin typeface="等线" panose="02010600030101010101" pitchFamily="2" charset="-122"/>
+                <a:ea typeface="宋体" panose="02010600030101010101" pitchFamily="2" charset="-122"/>
+                <a:cs typeface="Times New Roman" panose="02020603050405020304" pitchFamily="18" charset="0"/>
+              </a:rPr>
+              <a:t>、</a:t>
+            </a:r>
+            <a:r>
+              <a:rPr lang="en-US" altLang="zh-CN" sz="1800" kern="100" dirty="0" err="1">
+                <a:effectLst/>
+                <a:latin typeface="等线" panose="02010600030101010101" pitchFamily="2" charset="-122"/>
+                <a:ea typeface="宋体" panose="02010600030101010101" pitchFamily="2" charset="-122"/>
+                <a:cs typeface="Times New Roman" panose="02020603050405020304" pitchFamily="18" charset="0"/>
+              </a:rPr>
+              <a:t>TimerTrigger</a:t>
+            </a:r>
+            <a:r>
+              <a:rPr lang="zh-CN" altLang="zh-CN" sz="1800" kern="100" dirty="0">
+                <a:effectLst/>
+                <a:latin typeface="等线" panose="02010600030101010101" pitchFamily="2" charset="-122"/>
+                <a:ea typeface="宋体" panose="02010600030101010101" pitchFamily="2" charset="-122"/>
+                <a:cs typeface="Times New Roman" panose="02020603050405020304" pitchFamily="18" charset="0"/>
+              </a:rPr>
+              <a:t>、</a:t>
+            </a:r>
+            <a:r>
+              <a:rPr lang="en-US" altLang="zh-CN" sz="1800" kern="100" dirty="0">
+                <a:effectLst/>
+                <a:latin typeface="等线" panose="02010600030101010101" pitchFamily="2" charset="-122"/>
+                <a:ea typeface="宋体" panose="02010600030101010101" pitchFamily="2" charset="-122"/>
+                <a:cs typeface="Times New Roman" panose="02020603050405020304" pitchFamily="18" charset="0"/>
+              </a:rPr>
+              <a:t>Batch</a:t>
+            </a:r>
+            <a:r>
+              <a:rPr lang="zh-CN" altLang="zh-CN" sz="1800" kern="100" dirty="0">
+                <a:effectLst/>
+                <a:latin typeface="等线" panose="02010600030101010101" pitchFamily="2" charset="-122"/>
+                <a:ea typeface="宋体" panose="02010600030101010101" pitchFamily="2" charset="-122"/>
+                <a:cs typeface="Times New Roman" panose="02020603050405020304" pitchFamily="18" charset="0"/>
+              </a:rPr>
+              <a:t>之间的代码调用过程，然后着手开始测试，在测试阶段独立发现了一些</a:t>
+            </a:r>
+            <a:r>
+              <a:rPr lang="en-US" altLang="zh-CN" sz="1800" kern="100" dirty="0">
+                <a:effectLst/>
+                <a:latin typeface="等线" panose="02010600030101010101" pitchFamily="2" charset="-122"/>
+                <a:ea typeface="宋体" panose="02010600030101010101" pitchFamily="2" charset="-122"/>
+                <a:cs typeface="Times New Roman" panose="02020603050405020304" pitchFamily="18" charset="0"/>
+              </a:rPr>
+              <a:t>bug</a:t>
+            </a:r>
+            <a:r>
+              <a:rPr lang="zh-CN" altLang="zh-CN" sz="1800" kern="100" dirty="0">
+                <a:effectLst/>
+                <a:latin typeface="等线" panose="02010600030101010101" pitchFamily="2" charset="-122"/>
+                <a:ea typeface="宋体" panose="02010600030101010101" pitchFamily="2" charset="-122"/>
+                <a:cs typeface="Times New Roman" panose="02020603050405020304" pitchFamily="18" charset="0"/>
+              </a:rPr>
+              <a:t>，有</a:t>
+            </a:r>
+            <a:r>
+              <a:rPr lang="en-US" altLang="zh-CN" sz="1800" kern="100" dirty="0">
+                <a:effectLst/>
+                <a:latin typeface="等线" panose="02010600030101010101" pitchFamily="2" charset="-122"/>
+                <a:ea typeface="宋体" panose="02010600030101010101" pitchFamily="2" charset="-122"/>
+                <a:cs typeface="Times New Roman" panose="02020603050405020304" pitchFamily="18" charset="0"/>
+              </a:rPr>
+              <a:t>job</a:t>
+            </a:r>
+            <a:r>
+              <a:rPr lang="zh-CN" altLang="zh-CN" sz="1800" kern="100" dirty="0">
+                <a:effectLst/>
+                <a:latin typeface="等线" panose="02010600030101010101" pitchFamily="2" charset="-122"/>
+                <a:ea typeface="宋体" panose="02010600030101010101" pitchFamily="2" charset="-122"/>
+                <a:cs typeface="Times New Roman" panose="02020603050405020304" pitchFamily="18" charset="0"/>
+              </a:rPr>
+              <a:t>提交冲突、</a:t>
+            </a:r>
+            <a:r>
+              <a:rPr lang="en-US" altLang="zh-CN" sz="1800" kern="100" dirty="0">
+                <a:effectLst/>
+                <a:latin typeface="等线" panose="02010600030101010101" pitchFamily="2" charset="-122"/>
+                <a:ea typeface="宋体" panose="02010600030101010101" pitchFamily="2" charset="-122"/>
+                <a:cs typeface="Times New Roman" panose="02020603050405020304" pitchFamily="18" charset="0"/>
+              </a:rPr>
+              <a:t>Azure</a:t>
+            </a:r>
+            <a:r>
+              <a:rPr lang="zh-CN" altLang="zh-CN" sz="1800" kern="100" dirty="0">
+                <a:effectLst/>
+                <a:latin typeface="等线" panose="02010600030101010101" pitchFamily="2" charset="-122"/>
+                <a:ea typeface="宋体" panose="02010600030101010101" pitchFamily="2" charset="-122"/>
+                <a:cs typeface="Times New Roman" panose="02020603050405020304" pitchFamily="18" charset="0"/>
+              </a:rPr>
+              <a:t>上虚拟机环境缺失等问题，之后独立找出问题发生点提供给导师，修改完代码后继续进行测试，最后是顺利完成了对应的工作。在这个测试过程中，主要学会了</a:t>
+            </a:r>
+            <a:r>
+              <a:rPr lang="en-US" altLang="zh-CN" sz="1800" kern="100" dirty="0" err="1">
+                <a:effectLst/>
+                <a:latin typeface="等线" panose="02010600030101010101" pitchFamily="2" charset="-122"/>
+                <a:ea typeface="宋体" panose="02010600030101010101" pitchFamily="2" charset="-122"/>
+                <a:cs typeface="Times New Roman" panose="02020603050405020304" pitchFamily="18" charset="0"/>
+              </a:rPr>
+              <a:t>AzureFunction</a:t>
+            </a:r>
+            <a:r>
+              <a:rPr lang="zh-CN" altLang="zh-CN" sz="1800" kern="100" dirty="0">
+                <a:effectLst/>
+                <a:latin typeface="等线" panose="02010600030101010101" pitchFamily="2" charset="-122"/>
+                <a:ea typeface="宋体" panose="02010600030101010101" pitchFamily="2" charset="-122"/>
+                <a:cs typeface="Times New Roman" panose="02020603050405020304" pitchFamily="18" charset="0"/>
+              </a:rPr>
+              <a:t>的开发流程以及</a:t>
+            </a:r>
+            <a:r>
+              <a:rPr lang="en-US" altLang="zh-CN" sz="1800" kern="100" dirty="0">
+                <a:effectLst/>
+                <a:latin typeface="等线" panose="02010600030101010101" pitchFamily="2" charset="-122"/>
+                <a:ea typeface="宋体" panose="02010600030101010101" pitchFamily="2" charset="-122"/>
+                <a:cs typeface="Times New Roman" panose="02020603050405020304" pitchFamily="18" charset="0"/>
+              </a:rPr>
+              <a:t>Azure Batch</a:t>
+            </a:r>
+            <a:r>
+              <a:rPr lang="zh-CN" altLang="zh-CN" sz="1800" kern="100" dirty="0">
+                <a:effectLst/>
+                <a:latin typeface="等线" panose="02010600030101010101" pitchFamily="2" charset="-122"/>
+                <a:ea typeface="宋体" panose="02010600030101010101" pitchFamily="2" charset="-122"/>
+                <a:cs typeface="Times New Roman" panose="02020603050405020304" pitchFamily="18" charset="0"/>
+              </a:rPr>
+              <a:t>中</a:t>
+            </a:r>
+            <a:r>
+              <a:rPr lang="en-US" altLang="zh-CN" sz="1800" kern="100" dirty="0">
+                <a:effectLst/>
+                <a:latin typeface="等线" panose="02010600030101010101" pitchFamily="2" charset="-122"/>
+                <a:ea typeface="宋体" panose="02010600030101010101" pitchFamily="2" charset="-122"/>
+                <a:cs typeface="Times New Roman" panose="02020603050405020304" pitchFamily="18" charset="0"/>
+              </a:rPr>
+              <a:t>Job </a:t>
+            </a:r>
+            <a:r>
+              <a:rPr lang="zh-CN" altLang="zh-CN" sz="1800" kern="100" dirty="0">
+                <a:effectLst/>
+                <a:latin typeface="等线" panose="02010600030101010101" pitchFamily="2" charset="-122"/>
+                <a:ea typeface="宋体" panose="02010600030101010101" pitchFamily="2" charset="-122"/>
+                <a:cs typeface="Times New Roman" panose="02020603050405020304" pitchFamily="18" charset="0"/>
+              </a:rPr>
+              <a:t>、</a:t>
+            </a:r>
+            <a:r>
+              <a:rPr lang="en-US" altLang="zh-CN" sz="1800" kern="100" dirty="0">
+                <a:effectLst/>
+                <a:latin typeface="等线" panose="02010600030101010101" pitchFamily="2" charset="-122"/>
+                <a:ea typeface="宋体" panose="02010600030101010101" pitchFamily="2" charset="-122"/>
+                <a:cs typeface="Times New Roman" panose="02020603050405020304" pitchFamily="18" charset="0"/>
+              </a:rPr>
+              <a:t>Task</a:t>
+            </a:r>
+            <a:r>
+              <a:rPr lang="zh-CN" altLang="zh-CN" sz="1800" kern="100" dirty="0">
+                <a:effectLst/>
+                <a:latin typeface="等线" panose="02010600030101010101" pitchFamily="2" charset="-122"/>
+                <a:ea typeface="宋体" panose="02010600030101010101" pitchFamily="2" charset="-122"/>
+                <a:cs typeface="Times New Roman" panose="02020603050405020304" pitchFamily="18" charset="0"/>
+              </a:rPr>
+              <a:t>的创建，因为我们项目的</a:t>
+            </a:r>
+            <a:r>
+              <a:rPr lang="en-US" altLang="zh-CN" sz="1800" kern="100" dirty="0" err="1">
+                <a:effectLst/>
+                <a:latin typeface="等线" panose="02010600030101010101" pitchFamily="2" charset="-122"/>
+                <a:ea typeface="宋体" panose="02010600030101010101" pitchFamily="2" charset="-122"/>
+                <a:cs typeface="Times New Roman" panose="02020603050405020304" pitchFamily="18" charset="0"/>
+              </a:rPr>
+              <a:t>WebTools</a:t>
+            </a:r>
+            <a:r>
+              <a:rPr lang="zh-CN" altLang="zh-CN" sz="1800" kern="100" dirty="0">
+                <a:effectLst/>
+                <a:latin typeface="等线" panose="02010600030101010101" pitchFamily="2" charset="-122"/>
+                <a:ea typeface="宋体" panose="02010600030101010101" pitchFamily="2" charset="-122"/>
+                <a:cs typeface="Times New Roman" panose="02020603050405020304" pitchFamily="18" charset="0"/>
+              </a:rPr>
+              <a:t>是基于</a:t>
+            </a:r>
+            <a:r>
+              <a:rPr lang="en-US" altLang="zh-CN" sz="1800" kern="100" dirty="0" err="1">
+                <a:effectLst/>
+                <a:latin typeface="等线" panose="02010600030101010101" pitchFamily="2" charset="-122"/>
+                <a:ea typeface="宋体" panose="02010600030101010101" pitchFamily="2" charset="-122"/>
+                <a:cs typeface="Times New Roman" panose="02020603050405020304" pitchFamily="18" charset="0"/>
+              </a:rPr>
+              <a:t>.Net</a:t>
+            </a:r>
+            <a:r>
+              <a:rPr lang="zh-CN" altLang="zh-CN" sz="1800" kern="100" dirty="0">
+                <a:effectLst/>
+                <a:latin typeface="等线" panose="02010600030101010101" pitchFamily="2" charset="-122"/>
+                <a:ea typeface="宋体" panose="02010600030101010101" pitchFamily="2" charset="-122"/>
+                <a:cs typeface="Times New Roman" panose="02020603050405020304" pitchFamily="18" charset="0"/>
+              </a:rPr>
+              <a:t>开发的，所以也大概</a:t>
+            </a:r>
+            <a:r>
+              <a:rPr lang="zh-CN" altLang="zh-CN" sz="1800" kern="100" dirty="0">
+                <a:effectLst/>
+                <a:latin typeface="等线" panose="02010600030101010101" pitchFamily="2" charset="-122"/>
+                <a:ea typeface="等线" panose="02010600030101010101" pitchFamily="2" charset="-122"/>
+                <a:cs typeface="Times New Roman" panose="02020603050405020304" pitchFamily="18" charset="0"/>
+              </a:rPr>
+              <a:t>了解了</a:t>
+            </a:r>
+            <a:r>
+              <a:rPr lang="en-US" altLang="zh-CN" sz="1800" kern="100" dirty="0" err="1">
+                <a:effectLst/>
+                <a:latin typeface="等线" panose="02010600030101010101" pitchFamily="2" charset="-122"/>
+                <a:ea typeface="等线" panose="02010600030101010101" pitchFamily="2" charset="-122"/>
+                <a:cs typeface="Times New Roman" panose="02020603050405020304" pitchFamily="18" charset="0"/>
+              </a:rPr>
+              <a:t>.Net</a:t>
+            </a:r>
+            <a:r>
+              <a:rPr lang="en-US" altLang="zh-CN" sz="1800" kern="100" dirty="0">
+                <a:effectLst/>
+                <a:latin typeface="等线" panose="02010600030101010101" pitchFamily="2" charset="-122"/>
+                <a:ea typeface="等线" panose="02010600030101010101" pitchFamily="2" charset="-122"/>
+                <a:cs typeface="Times New Roman" panose="02020603050405020304" pitchFamily="18" charset="0"/>
+              </a:rPr>
+              <a:t> </a:t>
+            </a:r>
+            <a:r>
+              <a:rPr lang="zh-CN" altLang="zh-CN" sz="1800" kern="100" dirty="0">
+                <a:effectLst/>
+                <a:latin typeface="等线" panose="02010600030101010101" pitchFamily="2" charset="-122"/>
+                <a:ea typeface="等线" panose="02010600030101010101" pitchFamily="2" charset="-122"/>
+                <a:cs typeface="Times New Roman" panose="02020603050405020304" pitchFamily="18" charset="0"/>
+              </a:rPr>
+              <a:t>代码的逻辑</a:t>
+            </a:r>
+            <a:r>
+              <a:rPr lang="zh-CN" altLang="zh-CN" sz="1800" kern="100" dirty="0">
+                <a:effectLst/>
+                <a:latin typeface="等线" panose="02010600030101010101" pitchFamily="2" charset="-122"/>
+                <a:ea typeface="宋体" panose="02010600030101010101" pitchFamily="2" charset="-122"/>
+                <a:cs typeface="Times New Roman" panose="02020603050405020304" pitchFamily="18" charset="0"/>
+              </a:rPr>
+              <a:t>，还有了解了</a:t>
+            </a:r>
+            <a:r>
+              <a:rPr lang="en-US" altLang="zh-CN" sz="1800" kern="100" dirty="0">
+                <a:effectLst/>
+                <a:latin typeface="等线" panose="02010600030101010101" pitchFamily="2" charset="-122"/>
+                <a:ea typeface="宋体" panose="02010600030101010101" pitchFamily="2" charset="-122"/>
+                <a:cs typeface="Times New Roman" panose="02020603050405020304" pitchFamily="18" charset="0"/>
+              </a:rPr>
+              <a:t>Azure Batch Account</a:t>
+            </a:r>
+            <a:r>
+              <a:rPr lang="zh-CN" altLang="zh-CN" sz="1800" kern="100" dirty="0">
+                <a:effectLst/>
+                <a:latin typeface="等线" panose="02010600030101010101" pitchFamily="2" charset="-122"/>
+                <a:ea typeface="宋体" panose="02010600030101010101" pitchFamily="2" charset="-122"/>
+                <a:cs typeface="Times New Roman" panose="02020603050405020304" pitchFamily="18" charset="0"/>
+              </a:rPr>
+              <a:t>的结构以及代码调用过程。</a:t>
+            </a:r>
+            <a:endParaRPr lang="zh-CN" altLang="zh-CN" sz="1800" kern="100" dirty="0">
+              <a:effectLst/>
+              <a:latin typeface="等线" panose="02010600030101010101" pitchFamily="2" charset="-122"/>
+              <a:ea typeface="等线" panose="02010600030101010101" pitchFamily="2" charset="-122"/>
+              <a:cs typeface="Times New Roman" panose="02020603050405020304" pitchFamily="18" charset="0"/>
+            </a:endParaRPr>
+          </a:p>
+        </p:txBody>
+      </p:sp>
+      <p:sp>
+        <p:nvSpPr>
+          <p:cNvPr id="4" name="灯片编号占位符 3"/>
+          <p:cNvSpPr>
+            <a:spLocks noGrp="1"/>
+          </p:cNvSpPr>
+          <p:nvPr>
+            <p:ph type="sldNum" sz="quarter" idx="5"/>
+          </p:nvPr>
+        </p:nvSpPr>
+        <p:spPr/>
+        <p:txBody>
+          <a:bodyPr/>
+          <a:lstStyle/>
+          <a:p>
+            <a:fld id="{7DE2E8FF-3D0C-9D4D-B4D1-3089215958A5}" type="slidenum">
+              <a:rPr lang="en-US" smtClean="0"/>
+              <a:pPr/>
+              <a:t>8</a:t>
+            </a:fld>
+            <a:endParaRPr lang="en-US" dirty="0"/>
+          </a:p>
+        </p:txBody>
+      </p:sp>
+    </p:spTree>
+    <p:extLst>
+      <p:ext uri="{BB962C8B-B14F-4D97-AF65-F5344CB8AC3E}">
+        <p14:creationId xmlns:p14="http://schemas.microsoft.com/office/powerpoint/2010/main" val="4032465189"/>
+      </p:ext>
+    </p:extLst>
+  </p:cSld>
+  <p:clrMapOvr>
+    <a:masterClrMapping/>
+  </p:clrMapOvr>
+</p:notes>
+</file>
+
+<file path=ppt/notesSlides/notesSlide9.xml><?xml version="1.0" encoding="utf-8"?>
+<p:notes xmlns:a="http://schemas.openxmlformats.org/drawingml/2006/main" xmlns:r="http://schemas.openxmlformats.org/officeDocument/2006/relationships" xmlns:p="http://schemas.openxmlformats.org/presentationml/2006/main">
+  <p:cSld>
+    <p:spTree>
+      <p:nvGrpSpPr>
+        <p:cNvPr id="1" name=""/>
+        <p:cNvGrpSpPr/>
+        <p:nvPr/>
+      </p:nvGrpSpPr>
+      <p:grpSpPr>
+        <a:xfrm>
+          <a:off x="0" y="0"/>
+          <a:ext cx="0" cy="0"/>
+          <a:chOff x="0" y="0"/>
+          <a:chExt cx="0" cy="0"/>
+        </a:xfrm>
+      </p:grpSpPr>
+      <p:sp>
+        <p:nvSpPr>
+          <p:cNvPr id="2" name="幻灯片图像占位符 1"/>
+          <p:cNvSpPr>
+            <a:spLocks noGrp="1" noRot="1" noChangeAspect="1"/>
+          </p:cNvSpPr>
+          <p:nvPr>
+            <p:ph type="sldImg"/>
+          </p:nvPr>
+        </p:nvSpPr>
+        <p:spPr/>
+      </p:sp>
+      <p:sp>
+        <p:nvSpPr>
+          <p:cNvPr id="3" name="备注占位符 2"/>
+          <p:cNvSpPr>
+            <a:spLocks noGrp="1"/>
+          </p:cNvSpPr>
+          <p:nvPr>
+            <p:ph type="body" idx="1"/>
+          </p:nvPr>
+        </p:nvSpPr>
+        <p:spPr/>
+        <p:txBody>
+          <a:bodyPr/>
+          <a:lstStyle/>
+          <a:p>
+            <a:pPr indent="266700" algn="just">
+              <a:lnSpc>
+                <a:spcPct val="150000"/>
+              </a:lnSpc>
+            </a:pPr>
+            <a:r>
+              <a:rPr lang="zh-CN" altLang="zh-CN" sz="1800" kern="100" dirty="0">
+                <a:effectLst/>
+                <a:latin typeface="等线" panose="02010600030101010101" pitchFamily="2" charset="-122"/>
+                <a:ea typeface="宋体" panose="02010600030101010101" pitchFamily="2" charset="-122"/>
+                <a:cs typeface="Times New Roman" panose="02020603050405020304" pitchFamily="18" charset="0"/>
+              </a:rPr>
+              <a:t>然后在上一个测试中发现了一个修改代码后的漏洞，就是在</a:t>
+            </a:r>
+            <a:r>
+              <a:rPr lang="en-US" altLang="zh-CN" sz="1800" kern="100" dirty="0">
+                <a:effectLst/>
+                <a:latin typeface="等线" panose="02010600030101010101" pitchFamily="2" charset="-122"/>
+                <a:ea typeface="宋体" panose="02010600030101010101" pitchFamily="2" charset="-122"/>
+                <a:cs typeface="Times New Roman" panose="02020603050405020304" pitchFamily="18" charset="0"/>
+              </a:rPr>
+              <a:t>Azure</a:t>
+            </a:r>
+            <a:r>
+              <a:rPr lang="zh-CN" altLang="zh-CN" sz="1800" kern="100" dirty="0">
+                <a:effectLst/>
+                <a:latin typeface="等线" panose="02010600030101010101" pitchFamily="2" charset="-122"/>
+                <a:ea typeface="宋体" panose="02010600030101010101" pitchFamily="2" charset="-122"/>
+                <a:cs typeface="Times New Roman" panose="02020603050405020304" pitchFamily="18" charset="0"/>
+              </a:rPr>
+              <a:t>上的</a:t>
+            </a:r>
+            <a:r>
+              <a:rPr lang="en-US" altLang="zh-CN" sz="1800" kern="100" dirty="0" err="1">
+                <a:effectLst/>
+                <a:latin typeface="等线" panose="02010600030101010101" pitchFamily="2" charset="-122"/>
+                <a:ea typeface="宋体" panose="02010600030101010101" pitchFamily="2" charset="-122"/>
+                <a:cs typeface="Times New Roman" panose="02020603050405020304" pitchFamily="18" charset="0"/>
+              </a:rPr>
+              <a:t>TimeTrigger</a:t>
+            </a:r>
+            <a:r>
+              <a:rPr lang="zh-CN" altLang="zh-CN" sz="1800" kern="100" dirty="0">
+                <a:effectLst/>
+                <a:latin typeface="等线" panose="02010600030101010101" pitchFamily="2" charset="-122"/>
+                <a:ea typeface="宋体" panose="02010600030101010101" pitchFamily="2" charset="-122"/>
+                <a:cs typeface="Times New Roman" panose="02020603050405020304" pitchFamily="18" charset="0"/>
+              </a:rPr>
+              <a:t>连续发送请求时，会在接收端产生冲突，需要改变请求端的</a:t>
+            </a:r>
+            <a:r>
+              <a:rPr lang="en-US" altLang="zh-CN" sz="1800" kern="100" dirty="0">
+                <a:effectLst/>
+                <a:latin typeface="等线" panose="02010600030101010101" pitchFamily="2" charset="-122"/>
+                <a:ea typeface="宋体" panose="02010600030101010101" pitchFamily="2" charset="-122"/>
+                <a:cs typeface="Times New Roman" panose="02020603050405020304" pitchFamily="18" charset="0"/>
+              </a:rPr>
+              <a:t>json</a:t>
+            </a:r>
+            <a:r>
+              <a:rPr lang="zh-CN" altLang="zh-CN" sz="1800" kern="100" dirty="0">
+                <a:effectLst/>
+                <a:latin typeface="等线" panose="02010600030101010101" pitchFamily="2" charset="-122"/>
+                <a:ea typeface="宋体" panose="02010600030101010101" pitchFamily="2" charset="-122"/>
+                <a:cs typeface="Times New Roman" panose="02020603050405020304" pitchFamily="18" charset="0"/>
+              </a:rPr>
+              <a:t>格式以及在接收端 接收</a:t>
+            </a:r>
+            <a:r>
+              <a:rPr lang="en-US" altLang="zh-CN" sz="1800" kern="100" dirty="0">
+                <a:effectLst/>
+                <a:latin typeface="等线" panose="02010600030101010101" pitchFamily="2" charset="-122"/>
+                <a:ea typeface="宋体" panose="02010600030101010101" pitchFamily="2" charset="-122"/>
+                <a:cs typeface="Times New Roman" panose="02020603050405020304" pitchFamily="18" charset="0"/>
+              </a:rPr>
+              <a:t>json</a:t>
+            </a:r>
+            <a:r>
+              <a:rPr lang="zh-CN" altLang="zh-CN" sz="1800" kern="100" dirty="0">
+                <a:effectLst/>
+                <a:latin typeface="等线" panose="02010600030101010101" pitchFamily="2" charset="-122"/>
+                <a:ea typeface="宋体" panose="02010600030101010101" pitchFamily="2" charset="-122"/>
+                <a:cs typeface="Times New Roman" panose="02020603050405020304" pitchFamily="18" charset="0"/>
+              </a:rPr>
+              <a:t>时的代码也需要相应的变化，这个部分我在本地尝试的进行了修改，然后在导师上传代码之后自己写测试</a:t>
+            </a:r>
+            <a:r>
+              <a:rPr lang="en-US" altLang="zh-CN" sz="1800" kern="100" dirty="0">
+                <a:effectLst/>
+                <a:latin typeface="等线" panose="02010600030101010101" pitchFamily="2" charset="-122"/>
+                <a:ea typeface="宋体" panose="02010600030101010101" pitchFamily="2" charset="-122"/>
+                <a:cs typeface="Times New Roman" panose="02020603050405020304" pitchFamily="18" charset="0"/>
+              </a:rPr>
+              <a:t>case</a:t>
+            </a:r>
+            <a:r>
+              <a:rPr lang="zh-CN" altLang="zh-CN" sz="1800" kern="100" dirty="0">
+                <a:effectLst/>
+                <a:latin typeface="等线" panose="02010600030101010101" pitchFamily="2" charset="-122"/>
+                <a:ea typeface="宋体" panose="02010600030101010101" pitchFamily="2" charset="-122"/>
+                <a:cs typeface="Times New Roman" panose="02020603050405020304" pitchFamily="18" charset="0"/>
+              </a:rPr>
+              <a:t>进行测试，这个相应的测试内容就是在</a:t>
+            </a:r>
+            <a:r>
+              <a:rPr lang="en-US" altLang="zh-CN" sz="1800" kern="100" dirty="0">
+                <a:effectLst/>
+                <a:latin typeface="等线" panose="02010600030101010101" pitchFamily="2" charset="-122"/>
+                <a:ea typeface="宋体" panose="02010600030101010101" pitchFamily="2" charset="-122"/>
+                <a:cs typeface="Times New Roman" panose="02020603050405020304" pitchFamily="18" charset="0"/>
+              </a:rPr>
+              <a:t>json</a:t>
+            </a:r>
+            <a:r>
+              <a:rPr lang="zh-CN" altLang="zh-CN" sz="1800" kern="100" dirty="0">
+                <a:effectLst/>
+                <a:latin typeface="等线" panose="02010600030101010101" pitchFamily="2" charset="-122"/>
+                <a:ea typeface="宋体" panose="02010600030101010101" pitchFamily="2" charset="-122"/>
+                <a:cs typeface="Times New Roman" panose="02020603050405020304" pitchFamily="18" charset="0"/>
+              </a:rPr>
+              <a:t>发送和接收的时候的问题，在本地环境测试完成后，开发人员将应用部署到</a:t>
+            </a:r>
+            <a:r>
+              <a:rPr lang="en-US" altLang="zh-CN" sz="1800" kern="100" dirty="0">
+                <a:effectLst/>
+                <a:latin typeface="等线" panose="02010600030101010101" pitchFamily="2" charset="-122"/>
+                <a:ea typeface="宋体" panose="02010600030101010101" pitchFamily="2" charset="-122"/>
+                <a:cs typeface="Times New Roman" panose="02020603050405020304" pitchFamily="18" charset="0"/>
+              </a:rPr>
+              <a:t>Azure</a:t>
+            </a:r>
+            <a:r>
+              <a:rPr lang="zh-CN" altLang="zh-CN" sz="1800" kern="100" dirty="0">
+                <a:effectLst/>
+                <a:latin typeface="等线" panose="02010600030101010101" pitchFamily="2" charset="-122"/>
+                <a:ea typeface="宋体" panose="02010600030101010101" pitchFamily="2" charset="-122"/>
+                <a:cs typeface="Times New Roman" panose="02020603050405020304" pitchFamily="18" charset="0"/>
+              </a:rPr>
+              <a:t>上，然后我在</a:t>
+            </a:r>
+            <a:r>
+              <a:rPr lang="en-US" altLang="zh-CN" sz="1800" kern="100" dirty="0">
+                <a:effectLst/>
+                <a:latin typeface="等线" panose="02010600030101010101" pitchFamily="2" charset="-122"/>
+                <a:ea typeface="宋体" panose="02010600030101010101" pitchFamily="2" charset="-122"/>
+                <a:cs typeface="Times New Roman" panose="02020603050405020304" pitchFamily="18" charset="0"/>
+              </a:rPr>
+              <a:t>Azure</a:t>
+            </a:r>
+            <a:r>
+              <a:rPr lang="zh-CN" altLang="zh-CN" sz="1800" kern="100" dirty="0">
+                <a:effectLst/>
+                <a:latin typeface="等线" panose="02010600030101010101" pitchFamily="2" charset="-122"/>
+                <a:ea typeface="宋体" panose="02010600030101010101" pitchFamily="2" charset="-122"/>
+                <a:cs typeface="Times New Roman" panose="02020603050405020304" pitchFamily="18" charset="0"/>
+              </a:rPr>
+              <a:t>上模拟用户环境开始进行黑盒测试，验证程序是否能在客户环境中跑通。最后也是在规定期限内完成了工作，在这部分工作中学会</a:t>
+            </a:r>
+            <a:r>
+              <a:rPr lang="en-US" altLang="zh-CN" sz="1800" kern="100" dirty="0" err="1">
+                <a:effectLst/>
+                <a:latin typeface="等线" panose="02010600030101010101" pitchFamily="2" charset="-122"/>
+                <a:ea typeface="宋体" panose="02010600030101010101" pitchFamily="2" charset="-122"/>
+                <a:cs typeface="Times New Roman" panose="02020603050405020304" pitchFamily="18" charset="0"/>
+              </a:rPr>
+              <a:t>TimerTrigger</a:t>
+            </a:r>
+            <a:r>
+              <a:rPr lang="zh-CN" altLang="zh-CN" sz="1800" kern="100" dirty="0">
+                <a:effectLst/>
+                <a:latin typeface="等线" panose="02010600030101010101" pitchFamily="2" charset="-122"/>
+                <a:ea typeface="宋体" panose="02010600030101010101" pitchFamily="2" charset="-122"/>
+                <a:cs typeface="Times New Roman" panose="02020603050405020304" pitchFamily="18" charset="0"/>
+              </a:rPr>
+              <a:t>处理流程以及请求格式，以及如何更全面的写测试</a:t>
+            </a:r>
+            <a:r>
+              <a:rPr lang="en-US" altLang="zh-CN" sz="1800" kern="100" dirty="0">
+                <a:effectLst/>
+                <a:latin typeface="等线" panose="02010600030101010101" pitchFamily="2" charset="-122"/>
+                <a:ea typeface="宋体" panose="02010600030101010101" pitchFamily="2" charset="-122"/>
+                <a:cs typeface="Times New Roman" panose="02020603050405020304" pitchFamily="18" charset="0"/>
+              </a:rPr>
+              <a:t>case</a:t>
+            </a:r>
+            <a:r>
+              <a:rPr lang="zh-CN" altLang="zh-CN" sz="1800" kern="100" dirty="0">
+                <a:effectLst/>
+                <a:latin typeface="等线" panose="02010600030101010101" pitchFamily="2" charset="-122"/>
+                <a:ea typeface="宋体" panose="02010600030101010101" pitchFamily="2" charset="-122"/>
+                <a:cs typeface="Times New Roman" panose="02020603050405020304" pitchFamily="18" charset="0"/>
+              </a:rPr>
+              <a:t>，还有就是对</a:t>
+            </a:r>
+            <a:r>
+              <a:rPr lang="en-US" altLang="zh-CN" sz="1800" kern="100" dirty="0" err="1">
+                <a:effectLst/>
+                <a:latin typeface="等线" panose="02010600030101010101" pitchFamily="2" charset="-122"/>
+                <a:ea typeface="宋体" panose="02010600030101010101" pitchFamily="2" charset="-122"/>
+                <a:cs typeface="Times New Roman" panose="02020603050405020304" pitchFamily="18" charset="0"/>
+              </a:rPr>
+              <a:t>PostMan</a:t>
+            </a:r>
+            <a:r>
+              <a:rPr lang="zh-CN" altLang="zh-CN" sz="1800" kern="100" dirty="0">
+                <a:effectLst/>
+                <a:latin typeface="等线" panose="02010600030101010101" pitchFamily="2" charset="-122"/>
+                <a:ea typeface="宋体" panose="02010600030101010101" pitchFamily="2" charset="-122"/>
+                <a:cs typeface="Times New Roman" panose="02020603050405020304" pitchFamily="18" charset="0"/>
+              </a:rPr>
+              <a:t>工具使用的更加熟练。这些就是我在项目中这几个月主要的工作内容。</a:t>
+            </a:r>
+            <a:endParaRPr lang="zh-CN" altLang="zh-CN" sz="1800" kern="100" dirty="0">
+              <a:effectLst/>
+              <a:latin typeface="等线" panose="02010600030101010101" pitchFamily="2" charset="-122"/>
+              <a:ea typeface="等线" panose="02010600030101010101" pitchFamily="2" charset="-122"/>
+              <a:cs typeface="Times New Roman" panose="02020603050405020304" pitchFamily="18" charset="0"/>
+            </a:endParaRPr>
+          </a:p>
+        </p:txBody>
+      </p:sp>
+      <p:sp>
+        <p:nvSpPr>
+          <p:cNvPr id="4" name="灯片编号占位符 3"/>
+          <p:cNvSpPr>
+            <a:spLocks noGrp="1"/>
+          </p:cNvSpPr>
+          <p:nvPr>
+            <p:ph type="sldNum" sz="quarter" idx="5"/>
+          </p:nvPr>
+        </p:nvSpPr>
+        <p:spPr/>
+        <p:txBody>
+          <a:bodyPr/>
+          <a:lstStyle/>
+          <a:p>
+            <a:fld id="{7DE2E8FF-3D0C-9D4D-B4D1-3089215958A5}" type="slidenum">
+              <a:rPr lang="en-US" smtClean="0"/>
+              <a:pPr/>
+              <a:t>9</a:t>
+            </a:fld>
+            <a:endParaRPr lang="en-US" dirty="0"/>
+          </a:p>
+        </p:txBody>
+      </p:sp>
+    </p:spTree>
+    <p:extLst>
+      <p:ext uri="{BB962C8B-B14F-4D97-AF65-F5344CB8AC3E}">
+        <p14:creationId xmlns:p14="http://schemas.microsoft.com/office/powerpoint/2010/main" val="3409685294"/>
       </p:ext>
     </p:extLst>
   </p:cSld>
@@ -20648,7 +23529,7 @@
                 <a:latin typeface="Microsoft YaHei" panose="020B0503020204020204" pitchFamily="34" charset="-122"/>
                 <a:ea typeface="Microsoft YaHei" panose="020B0503020204020204" pitchFamily="34" charset="-122"/>
               </a:rPr>
-              <a:t>在主要使用的技术栈上深入学习和掌握，并关注最新趋势</a:t>
+              <a:t>在项目主要使用的技术栈上深入学习和掌握，并关注最新趋势</a:t>
             </a:r>
             <a:endParaRPr lang="en-US" altLang="zh-CN" sz="1600" dirty="0">
               <a:latin typeface="Microsoft YaHei" panose="020B0503020204020204" pitchFamily="34" charset="-122"/>
@@ -22775,7 +25656,7 @@
           <p:nvPr/>
         </p:nvPicPr>
         <p:blipFill>
-          <a:blip r:embed="rId2"/>
+          <a:blip r:embed="rId3"/>
           <a:stretch>
             <a:fillRect/>
           </a:stretch>
@@ -24370,7 +27251,7 @@
         <p:spPr>
           <a:xfrm>
             <a:off x="1197164" y="1398758"/>
-            <a:ext cx="11546958" cy="4544814"/>
+            <a:ext cx="11546958" cy="5211663"/>
           </a:xfrm>
           <a:prstGeom prst="rect">
             <a:avLst/>
@@ -24603,7 +27484,30 @@
                 <a:latin typeface="Arial" panose="020B0604020202020204" pitchFamily="34" charset="0"/>
                 <a:cs typeface="Arial" panose="020B0604020202020204" pitchFamily="34" charset="0"/>
               </a:rPr>
-              <a:t>：提前完成测试并提交成果物，学会了</a:t>
+              <a:t>：提前完成测试并提交成果物</a:t>
+            </a:r>
+            <a:endParaRPr lang="en-US" altLang="zh-CN" sz="2000" dirty="0">
+              <a:latin typeface="Arial" panose="020B0604020202020204" pitchFamily="34" charset="0"/>
+              <a:cs typeface="Arial" panose="020B0604020202020204" pitchFamily="34" charset="0"/>
+            </a:endParaRPr>
+          </a:p>
+          <a:p>
+            <a:pPr marL="1805940" lvl="2" indent="-342900">
+              <a:lnSpc>
+                <a:spcPct val="150000"/>
+              </a:lnSpc>
+              <a:spcAft>
+                <a:spcPts val="800"/>
+              </a:spcAft>
+              <a:buFont typeface="Arial" panose="020B0604020202020204" pitchFamily="34" charset="0"/>
+              <a:buChar char="•"/>
+            </a:pPr>
+            <a:r>
+              <a:rPr lang="zh-CN" altLang="en-US" sz="2000" dirty="0">
+                <a:latin typeface="Arial" panose="020B0604020202020204" pitchFamily="34" charset="0"/>
+                <a:cs typeface="Arial" panose="020B0604020202020204" pitchFamily="34" charset="0"/>
+              </a:rPr>
+              <a:t>学会了</a:t>
             </a:r>
             <a:r>
               <a:rPr lang="en-US" altLang="zh-CN" sz="2000" dirty="0">
@@ -24618,6 +27522,29 @@
                 <a:cs typeface="Arial" panose="020B0604020202020204" pitchFamily="34" charset="0"/>
               </a:rPr>
               <a:t>项目的具体流程以及能解决环境缺失问题、配置文件变更问题</a:t>
+            </a:r>
+            <a:endParaRPr lang="en-US" altLang="zh-CN" sz="2000" dirty="0">
+              <a:latin typeface="Arial" panose="020B0604020202020204" pitchFamily="34" charset="0"/>
+              <a:cs typeface="Arial" panose="020B0604020202020204" pitchFamily="34" charset="0"/>
+            </a:endParaRPr>
+          </a:p>
+          <a:p>
+            <a:pPr marL="1805940" lvl="2" indent="-342900">
+              <a:lnSpc>
+                <a:spcPct val="150000"/>
+              </a:lnSpc>
+              <a:spcAft>
+                <a:spcPts val="800"/>
+              </a:spcAft>
+              <a:buFont typeface="Arial" panose="020B0604020202020204" pitchFamily="34" charset="0"/>
+              <a:buChar char="•"/>
+            </a:pPr>
+            <a:r>
+              <a:rPr lang="zh-CN" altLang="zh-CN" sz="2000" dirty="0">
+                <a:latin typeface="Arial" panose="020B0604020202020204" pitchFamily="34" charset="0"/>
+                <a:cs typeface="Arial" panose="020B0604020202020204" pitchFamily="34" charset="0"/>
+              </a:rPr>
+              <a:t>在对日语手顺书的理解方面上有了很大的提升</a:t>
             </a:r>
             <a:endParaRPr lang="en-US" altLang="zh-CN" sz="2000" dirty="0">
               <a:latin typeface="Arial" panose="020B0604020202020204" pitchFamily="34" charset="0"/>
@@ -24782,7 +27709,7 @@
         <p:spPr>
           <a:xfrm>
             <a:off x="1197164" y="1393297"/>
-            <a:ext cx="11546958" cy="5673328"/>
+            <a:ext cx="11546958" cy="6237585"/>
           </a:xfrm>
           <a:prstGeom prst="rect">
             <a:avLst/>
@@ -25136,7 +28063,93 @@
                 <a:latin typeface="Arial" panose="020B0604020202020204" pitchFamily="34" charset="0"/>
                 <a:cs typeface="Arial" panose="020B0604020202020204" pitchFamily="34" charset="0"/>
               </a:rPr>
-              <a:t>的开发流程</a:t>
+              <a:t>的开发流程以及</a:t>
+            </a:r>
+            <a:r>
+              <a:rPr lang="en-US" altLang="zh-CN" sz="2000" dirty="0">
+                <a:latin typeface="Arial" panose="020B0604020202020204" pitchFamily="34" charset="0"/>
+                <a:cs typeface="Arial" panose="020B0604020202020204" pitchFamily="34" charset="0"/>
+              </a:rPr>
+              <a:t>Azure Batch</a:t>
+            </a:r>
+            <a:r>
+              <a:rPr lang="zh-CN" altLang="en-US" sz="2000" dirty="0">
+                <a:latin typeface="Arial" panose="020B0604020202020204" pitchFamily="34" charset="0"/>
+                <a:cs typeface="Arial" panose="020B0604020202020204" pitchFamily="34" charset="0"/>
+              </a:rPr>
+              <a:t>中</a:t>
+            </a:r>
+            <a:r>
+              <a:rPr lang="en-US" altLang="zh-CN" sz="2000" dirty="0">
+                <a:latin typeface="Arial" panose="020B0604020202020204" pitchFamily="34" charset="0"/>
+                <a:cs typeface="Arial" panose="020B0604020202020204" pitchFamily="34" charset="0"/>
+              </a:rPr>
+              <a:t>Job </a:t>
+            </a:r>
+            <a:r>
+              <a:rPr lang="zh-CN" altLang="en-US" sz="2000" dirty="0">
+                <a:latin typeface="Arial" panose="020B0604020202020204" pitchFamily="34" charset="0"/>
+                <a:cs typeface="Arial" panose="020B0604020202020204" pitchFamily="34" charset="0"/>
+              </a:rPr>
+              <a:t>、</a:t>
+            </a:r>
+            <a:r>
+              <a:rPr lang="en-US" altLang="zh-CN" sz="2000" dirty="0">
+                <a:latin typeface="Arial" panose="020B0604020202020204" pitchFamily="34" charset="0"/>
+                <a:cs typeface="Arial" panose="020B0604020202020204" pitchFamily="34" charset="0"/>
+              </a:rPr>
+              <a:t>Task</a:t>
+            </a:r>
+            <a:r>
+              <a:rPr lang="zh-CN" altLang="en-US" sz="2000" dirty="0">
+                <a:latin typeface="Arial" panose="020B0604020202020204" pitchFamily="34" charset="0"/>
+                <a:cs typeface="Arial" panose="020B0604020202020204" pitchFamily="34" charset="0"/>
+              </a:rPr>
+              <a:t>的创建</a:t>
+            </a:r>
+            <a:endParaRPr lang="en-US" altLang="zh-CN" sz="2000" dirty="0">
+              <a:latin typeface="Arial" panose="020B0604020202020204" pitchFamily="34" charset="0"/>
+              <a:cs typeface="Arial" panose="020B0604020202020204" pitchFamily="34" charset="0"/>
+            </a:endParaRPr>
+          </a:p>
+          <a:p>
+            <a:pPr marL="1805940" lvl="2" indent="-342900">
+              <a:lnSpc>
+                <a:spcPct val="150000"/>
+              </a:lnSpc>
+              <a:spcAft>
+                <a:spcPts val="800"/>
+              </a:spcAft>
+              <a:buFont typeface="Arial" panose="020B0604020202020204" pitchFamily="34" charset="0"/>
+              <a:buChar char="•"/>
+            </a:pPr>
+            <a:r>
+              <a:rPr lang="zh-CN" altLang="en-US" sz="2000" dirty="0">
+                <a:latin typeface="Arial" panose="020B0604020202020204" pitchFamily="34" charset="0"/>
+                <a:cs typeface="Arial" panose="020B0604020202020204" pitchFamily="34" charset="0"/>
+              </a:rPr>
+              <a:t>了解了</a:t>
+            </a:r>
+            <a:r>
+              <a:rPr lang="en-US" altLang="zh-CN" sz="2000" dirty="0" err="1">
+                <a:latin typeface="Arial" panose="020B0604020202020204" pitchFamily="34" charset="0"/>
+                <a:cs typeface="Arial" panose="020B0604020202020204" pitchFamily="34" charset="0"/>
+              </a:rPr>
+              <a:t>.Net</a:t>
+            </a:r>
+            <a:r>
+              <a:rPr lang="en-US" altLang="zh-CN" sz="2000" dirty="0">
+                <a:latin typeface="Arial" panose="020B0604020202020204" pitchFamily="34" charset="0"/>
+                <a:cs typeface="Arial" panose="020B0604020202020204" pitchFamily="34" charset="0"/>
+              </a:rPr>
+              <a:t> </a:t>
+            </a:r>
+            <a:r>
+              <a:rPr lang="zh-CN" altLang="en-US" sz="2000" dirty="0">
+                <a:latin typeface="Arial" panose="020B0604020202020204" pitchFamily="34" charset="0"/>
+                <a:cs typeface="Arial" panose="020B0604020202020204" pitchFamily="34" charset="0"/>
+              </a:rPr>
+              <a:t>代码的逻辑</a:t>
             </a:r>
             <a:endParaRPr lang="en-US" altLang="zh-CN" sz="2000" dirty="0">
               <a:latin typeface="Arial" panose="020B0604020202020204" pitchFamily="34" charset="0"/>
@@ -26557,21 +29570,6 @@
 </file>
 
 <file path=customXml/item1.xml><?xml version="1.0" encoding="utf-8"?>
-<p:properties xmlns:p="http://schemas.microsoft.com/office/2006/metadata/properties" xmlns:xsi="http://www.w3.org/2001/XMLSchema-instance" xmlns:pc="http://schemas.microsoft.com/office/infopath/2007/PartnerControls">
-  <documentManagement/>
-</p:properties>
-</file>
-
-<file path=customXml/item2.xml><?xml version="1.0" encoding="utf-8"?>
-<?mso-contentType ?>
-<FormTemplates xmlns="http://schemas.microsoft.com/sharepoint/v3/contenttype/forms">
-  <Display>DocumentLibraryForm</Display>
-  <Edit>DocumentLibraryForm</Edit>
-  <New>DocumentLibraryForm</New>
-</FormTemplates>
-</file>
-
-<file path=customXml/item3.xml><?xml version="1.0" encoding="utf-8"?>
 <ct:contentTypeSchema xmlns:ct="http://schemas.microsoft.com/office/2006/metadata/contentType" xmlns:ma="http://schemas.microsoft.com/office/2006/metadata/properties/metaAttributes" ct:_="" ma:_="" ma:contentTypeName="Document" ma:contentTypeID="0x010100916F182140194F4A8CCC57EE77F8793D" ma:contentTypeVersion="4" ma:contentTypeDescription="Create a new document." ma:contentTypeScope="" ma:versionID="f24d8051ee861718e22b0ae7423b30c7">
   <xsd:schema xmlns:xsd="http://www.w3.org/2001/XMLSchema" xmlns:xs="http://www.w3.org/2001/XMLSchema" xmlns:p="http://schemas.microsoft.com/office/2006/metadata/properties" xmlns:ns2="f228489a-dcf5-4b36-becb-e077c37c524e" targetNamespace="http://schemas.microsoft.com/office/2006/metadata/properties" ma:root="true" ma:fieldsID="3e265d2d88944d89f3255ee9925721a9" ns2:_="">
     <xsd:import namespace="f228489a-dcf5-4b36-becb-e077c37c524e"/>
@@ -26717,24 +29715,22 @@
 </ct:contentTypeSchema>
 </file>
 
-<file path=customXml/itemProps1.xml><?xml version="1.0" encoding="utf-8"?>
-<ds:datastoreItem xmlns:ds="http://schemas.openxmlformats.org/officeDocument/2006/customXml" ds:itemID="{F9E3DFC7-539B-4B55-9D4E-50BDD86210B4}">
-  <ds:schemaRefs>
-    <ds:schemaRef ds:uri="http://schemas.microsoft.com/office/2006/metadata/properties"/>
-    <ds:schemaRef ds:uri="http://schemas.microsoft.com/office/infopath/2007/PartnerControls"/>
-  </ds:schemaRefs>
-</ds:datastoreItem>
+<file path=customXml/item2.xml><?xml version="1.0" encoding="utf-8"?>
+<?mso-contentType ?>
+<FormTemplates xmlns="http://schemas.microsoft.com/sharepoint/v3/contenttype/forms">
+  <Display>DocumentLibraryForm</Display>
+  <Edit>DocumentLibraryForm</Edit>
+  <New>DocumentLibraryForm</New>
+</FormTemplates>
 </file>
 
-<file path=customXml/itemProps2.xml><?xml version="1.0" encoding="utf-8"?>
-<ds:datastoreItem xmlns:ds="http://schemas.openxmlformats.org/officeDocument/2006/customXml" ds:itemID="{9774891E-6564-4958-A4CF-188F7360FC52}">
-  <ds:schemaRefs>
-    <ds:schemaRef ds:uri="http://schemas.microsoft.com/sharepoint/v3/contenttype/forms"/>
-  </ds:schemaRefs>
-</ds:datastoreItem>
+<file path=customXml/item3.xml><?xml version="1.0" encoding="utf-8"?>
+<p:properties xmlns:p="http://schemas.microsoft.com/office/2006/metadata/properties" xmlns:xsi="http://www.w3.org/2001/XMLSchema-instance" xmlns:pc="http://schemas.microsoft.com/office/infopath/2007/PartnerControls">
+  <documentManagement/>
+</p:properties>
 </file>
 
-<file path=customXml/itemProps3.xml><?xml version="1.0" encoding="utf-8"?>
+<file path=customXml/itemProps1.xml><?xml version="1.0" encoding="utf-8"?>
 <ds:datastoreItem xmlns:ds="http://schemas.openxmlformats.org/officeDocument/2006/customXml" ds:itemID="{25BBF9B6-64C3-4607-AD5B-D62FD888A901}">
   <ds:schemaRefs>
     <ds:schemaRef ds:uri="http://schemas.microsoft.com/office/2006/metadata/contentType"/>
@@ -26750,4 +29746,21 @@
     <ds:schemaRef ds:uri="http://schemas.microsoft.com/internal/obd"/>
   </ds:schemaRefs>
 </ds:datastoreItem>
+</file>
+
+<file path=customXml/itemProps2.xml><?xml version="1.0" encoding="utf-8"?>
+<ds:datastoreItem xmlns:ds="http://schemas.openxmlformats.org/officeDocument/2006/customXml" ds:itemID="{9774891E-6564-4958-A4CF-188F7360FC52}">
+  <ds:schemaRefs>
+    <ds:schemaRef ds:uri="http://schemas.microsoft.com/sharepoint/v3/contenttype/forms"/>
+  </ds:schemaRefs>
+</ds:datastoreItem>
+</file>
+
+<file path=customXml/itemProps3.xml><?xml version="1.0" encoding="utf-8"?>
+<ds:datastoreItem xmlns:ds="http://schemas.openxmlformats.org/officeDocument/2006/customXml" ds:itemID="{F9E3DFC7-539B-4B55-9D4E-50BDD86210B4}">
+  <ds:schemaRefs>
+    <ds:schemaRef ds:uri="http://schemas.microsoft.com/office/2006/metadata/properties"/>
+    <ds:schemaRef ds:uri="http://schemas.microsoft.com/office/infopath/2007/PartnerControls"/>
+  </ds:schemaRefs>
+</ds:datastoreItem>
 </file>